--- a/NS2 Project/Proposal/1805093-ns2-proposal.pptx
+++ b/NS2 Project/Proposal/1805093-ns2-proposal.pptx
@@ -5,7 +5,7 @@
     <p:sldMasterId id="2147483768" r:id="rId4"/>
   </p:sldMasterIdLst>
   <p:notesMasterIdLst>
-    <p:notesMasterId r:id="rId14"/>
+    <p:notesMasterId r:id="rId15"/>
   </p:notesMasterIdLst>
   <p:sldIdLst>
     <p:sldId id="3825" r:id="rId5"/>
@@ -15,8 +15,9 @@
     <p:sldId id="3836" r:id="rId9"/>
     <p:sldId id="3828" r:id="rId10"/>
     <p:sldId id="3838" r:id="rId11"/>
-    <p:sldId id="3839" r:id="rId12"/>
-    <p:sldId id="3834" r:id="rId13"/>
+    <p:sldId id="3840" r:id="rId12"/>
+    <p:sldId id="3839" r:id="rId13"/>
+    <p:sldId id="3834" r:id="rId14"/>
   </p:sldIdLst>
   <p:sldSz cx="12192000" cy="6858000"/>
   <p:notesSz cx="6858000" cy="9144000"/>
@@ -117,7 +118,7 @@
   </p:defaultTextStyle>
   <p:extLst>
     <p:ext uri="{EFAFB233-063F-42B5-8137-9DF3F51BA10A}">
-      <p15:sldGuideLst xmlns:p15="http://schemas.microsoft.com/office/powerpoint/2012/main">
+      <p15:sldGuideLst xmlns:p15="http://schemas.microsoft.com/office/powerpoint/2012/main" xmlns="">
         <p15:guide id="1" orient="horz" pos="1200" userDrawn="1">
           <p15:clr>
             <a:srgbClr val="A4A3A4"/>
@@ -521,7 +522,7 @@
           <p:cNvPr id="10" name="Freeform 13">
             <a:extLst>
               <a:ext uri="{FF2B5EF4-FFF2-40B4-BE49-F238E27FC236}">
-                <a16:creationId xmlns:a16="http://schemas.microsoft.com/office/drawing/2014/main" id="{FCE00AC6-1AA1-42D9-83DD-4C308C3F9322}"/>
+                <a16:creationId xmlns:a16="http://schemas.microsoft.com/office/drawing/2014/main" xmlns="" id="{FCE00AC6-1AA1-42D9-83DD-4C308C3F9322}"/>
               </a:ext>
             </a:extLst>
           </p:cNvPr>
@@ -685,7 +686,7 @@
           <p:cNvPr id="12" name="Straight Connector 11">
             <a:extLst>
               <a:ext uri="{FF2B5EF4-FFF2-40B4-BE49-F238E27FC236}">
-                <a16:creationId xmlns:a16="http://schemas.microsoft.com/office/drawing/2014/main" id="{5319A315-F756-49EC-8181-0EC3F0A37B09}"/>
+                <a16:creationId xmlns:a16="http://schemas.microsoft.com/office/drawing/2014/main" xmlns="" id="{5319A315-F756-49EC-8181-0EC3F0A37B09}"/>
               </a:ext>
             </a:extLst>
           </p:cNvPr>
@@ -729,7 +730,7 @@
           <p:cNvPr id="14" name="Freeform: Shape 13">
             <a:extLst>
               <a:ext uri="{FF2B5EF4-FFF2-40B4-BE49-F238E27FC236}">
-                <a16:creationId xmlns:a16="http://schemas.microsoft.com/office/drawing/2014/main" id="{560F3E26-F530-48F5-983F-9DCFF41D4F39}"/>
+                <a16:creationId xmlns:a16="http://schemas.microsoft.com/office/drawing/2014/main" xmlns="" id="{560F3E26-F530-48F5-983F-9DCFF41D4F39}"/>
               </a:ext>
             </a:extLst>
           </p:cNvPr>
@@ -875,7 +876,7 @@
           <p:cNvPr id="16" name="Freeform: Shape 15">
             <a:extLst>
               <a:ext uri="{FF2B5EF4-FFF2-40B4-BE49-F238E27FC236}">
-                <a16:creationId xmlns:a16="http://schemas.microsoft.com/office/drawing/2014/main" id="{5C97701E-DAF9-4174-AA91-DA203CD27D6A}"/>
+                <a16:creationId xmlns:a16="http://schemas.microsoft.com/office/drawing/2014/main" xmlns="" id="{5C97701E-DAF9-4174-AA91-DA203CD27D6A}"/>
               </a:ext>
             </a:extLst>
           </p:cNvPr>
@@ -1013,7 +1014,7 @@
           <p:cNvPr id="18" name="Oval 17">
             <a:extLst>
               <a:ext uri="{FF2B5EF4-FFF2-40B4-BE49-F238E27FC236}">
-                <a16:creationId xmlns:a16="http://schemas.microsoft.com/office/drawing/2014/main" id="{4F765374-1A4B-41DC-9E75-A95A6C655328}"/>
+                <a16:creationId xmlns:a16="http://schemas.microsoft.com/office/drawing/2014/main" xmlns="" id="{4F765374-1A4B-41DC-9E75-A95A6C655328}"/>
               </a:ext>
             </a:extLst>
           </p:cNvPr>
@@ -1094,7 +1095,7 @@
           <p:cNvPr id="20" name="Freeform: Shape 19">
             <a:extLst>
               <a:ext uri="{FF2B5EF4-FFF2-40B4-BE49-F238E27FC236}">
-                <a16:creationId xmlns:a16="http://schemas.microsoft.com/office/drawing/2014/main" id="{7618DB8E-B14E-42E2-B454-6F4F36A8A9D9}"/>
+                <a16:creationId xmlns:a16="http://schemas.microsoft.com/office/drawing/2014/main" xmlns="" id="{7618DB8E-B14E-42E2-B454-6F4F36A8A9D9}"/>
               </a:ext>
             </a:extLst>
           </p:cNvPr>
@@ -1264,7 +1265,7 @@
           <p:cNvPr id="22" name="Arc 21">
             <a:extLst>
               <a:ext uri="{FF2B5EF4-FFF2-40B4-BE49-F238E27FC236}">
-                <a16:creationId xmlns:a16="http://schemas.microsoft.com/office/drawing/2014/main" id="{97666F55-03F1-4D18-9653-0F360E127A7E}"/>
+                <a16:creationId xmlns:a16="http://schemas.microsoft.com/office/drawing/2014/main" xmlns="" id="{97666F55-03F1-4D18-9653-0F360E127A7E}"/>
               </a:ext>
             </a:extLst>
           </p:cNvPr>
@@ -1343,7 +1344,7 @@
           <p:cNvPr id="2" name="Title 1">
             <a:extLst>
               <a:ext uri="{FF2B5EF4-FFF2-40B4-BE49-F238E27FC236}">
-                <a16:creationId xmlns:a16="http://schemas.microsoft.com/office/drawing/2014/main" id="{84DE1A06-8754-4870-9E44-E39BADAD9845}"/>
+                <a16:creationId xmlns:a16="http://schemas.microsoft.com/office/drawing/2014/main" xmlns="" id="{84DE1A06-8754-4870-9E44-E39BADAD9845}"/>
               </a:ext>
             </a:extLst>
           </p:cNvPr>
@@ -1384,7 +1385,7 @@
           <p:cNvPr id="3" name="Subtitle 2">
             <a:extLst>
               <a:ext uri="{FF2B5EF4-FFF2-40B4-BE49-F238E27FC236}">
-                <a16:creationId xmlns:a16="http://schemas.microsoft.com/office/drawing/2014/main" id="{3527F020-BBC3-49BB-91C2-5B2CBD64B3C5}"/>
+                <a16:creationId xmlns:a16="http://schemas.microsoft.com/office/drawing/2014/main" xmlns="" id="{3527F020-BBC3-49BB-91C2-5B2CBD64B3C5}"/>
               </a:ext>
             </a:extLst>
           </p:cNvPr>
@@ -1488,7 +1489,7 @@
           <p:cNvPr id="2" name="Title 1">
             <a:extLst>
               <a:ext uri="{FF2B5EF4-FFF2-40B4-BE49-F238E27FC236}">
-                <a16:creationId xmlns:a16="http://schemas.microsoft.com/office/drawing/2014/main" id="{1092983E-E761-4429-9203-7FE8B2DB67E4}"/>
+                <a16:creationId xmlns:a16="http://schemas.microsoft.com/office/drawing/2014/main" xmlns="" id="{1092983E-E761-4429-9203-7FE8B2DB67E4}"/>
               </a:ext>
             </a:extLst>
           </p:cNvPr>
@@ -1521,7 +1522,7 @@
           <p:cNvPr id="3" name="Text Placeholder 2">
             <a:extLst>
               <a:ext uri="{FF2B5EF4-FFF2-40B4-BE49-F238E27FC236}">
-                <a16:creationId xmlns:a16="http://schemas.microsoft.com/office/drawing/2014/main" id="{B921E9B7-62BE-49BA-AC6B-55250D66277F}"/>
+                <a16:creationId xmlns:a16="http://schemas.microsoft.com/office/drawing/2014/main" xmlns="" id="{B921E9B7-62BE-49BA-AC6B-55250D66277F}"/>
               </a:ext>
             </a:extLst>
           </p:cNvPr>
@@ -1592,7 +1593,7 @@
           <p:cNvPr id="4" name="Content Placeholder 3">
             <a:extLst>
               <a:ext uri="{FF2B5EF4-FFF2-40B4-BE49-F238E27FC236}">
-                <a16:creationId xmlns:a16="http://schemas.microsoft.com/office/drawing/2014/main" id="{BC41A3FD-B90A-4C31-BD6B-581F9E2E0E5E}"/>
+                <a16:creationId xmlns:a16="http://schemas.microsoft.com/office/drawing/2014/main" xmlns="" id="{BC41A3FD-B90A-4C31-BD6B-581F9E2E0E5E}"/>
               </a:ext>
             </a:extLst>
           </p:cNvPr>
@@ -1673,7 +1674,7 @@
           <p:cNvPr id="5" name="Text Placeholder 4">
             <a:extLst>
               <a:ext uri="{FF2B5EF4-FFF2-40B4-BE49-F238E27FC236}">
-                <a16:creationId xmlns:a16="http://schemas.microsoft.com/office/drawing/2014/main" id="{060D1D55-B722-4968-B171-AF3B462DDAD8}"/>
+                <a16:creationId xmlns:a16="http://schemas.microsoft.com/office/drawing/2014/main" xmlns="" id="{060D1D55-B722-4968-B171-AF3B462DDAD8}"/>
               </a:ext>
             </a:extLst>
           </p:cNvPr>
@@ -1744,7 +1745,7 @@
           <p:cNvPr id="6" name="Content Placeholder 5">
             <a:extLst>
               <a:ext uri="{FF2B5EF4-FFF2-40B4-BE49-F238E27FC236}">
-                <a16:creationId xmlns:a16="http://schemas.microsoft.com/office/drawing/2014/main" id="{D71085A8-02C2-4E7F-935E-5AEECBAD19BE}"/>
+                <a16:creationId xmlns:a16="http://schemas.microsoft.com/office/drawing/2014/main" xmlns="" id="{D71085A8-02C2-4E7F-935E-5AEECBAD19BE}"/>
               </a:ext>
             </a:extLst>
           </p:cNvPr>
@@ -1825,7 +1826,7 @@
           <p:cNvPr id="7" name="Date Placeholder 6">
             <a:extLst>
               <a:ext uri="{FF2B5EF4-FFF2-40B4-BE49-F238E27FC236}">
-                <a16:creationId xmlns:a16="http://schemas.microsoft.com/office/drawing/2014/main" id="{9A8A5018-8A77-40E8-B159-4894ECF228B1}"/>
+                <a16:creationId xmlns:a16="http://schemas.microsoft.com/office/drawing/2014/main" xmlns="" id="{9A8A5018-8A77-40E8-B159-4894ECF228B1}"/>
               </a:ext>
             </a:extLst>
           </p:cNvPr>
@@ -1868,7 +1869,7 @@
           <p:cNvPr id="8" name="Footer Placeholder 7">
             <a:extLst>
               <a:ext uri="{FF2B5EF4-FFF2-40B4-BE49-F238E27FC236}">
-                <a16:creationId xmlns:a16="http://schemas.microsoft.com/office/drawing/2014/main" id="{8AD79441-8908-4461-9FDD-BCE638837098}"/>
+                <a16:creationId xmlns:a16="http://schemas.microsoft.com/office/drawing/2014/main" xmlns="" id="{8AD79441-8908-4461-9FDD-BCE638837098}"/>
               </a:ext>
             </a:extLst>
           </p:cNvPr>
@@ -1911,7 +1912,7 @@
           <p:cNvPr id="9" name="Slide Number Placeholder 8">
             <a:extLst>
               <a:ext uri="{FF2B5EF4-FFF2-40B4-BE49-F238E27FC236}">
-                <a16:creationId xmlns:a16="http://schemas.microsoft.com/office/drawing/2014/main" id="{C8D29F7D-B101-4950-A2C0-F350FB26D45F}"/>
+                <a16:creationId xmlns:a16="http://schemas.microsoft.com/office/drawing/2014/main" xmlns="" id="{C8D29F7D-B101-4950-A2C0-F350FB26D45F}"/>
               </a:ext>
             </a:extLst>
           </p:cNvPr>
@@ -1964,7 +1965,7 @@
           <p:cNvPr id="10" name="Freeform: Shape 9">
             <a:extLst>
               <a:ext uri="{FF2B5EF4-FFF2-40B4-BE49-F238E27FC236}">
-                <a16:creationId xmlns:a16="http://schemas.microsoft.com/office/drawing/2014/main" id="{862D7398-9A79-4B24-9C7D-F0DEED57C70B}"/>
+                <a16:creationId xmlns:a16="http://schemas.microsoft.com/office/drawing/2014/main" xmlns="" id="{862D7398-9A79-4B24-9C7D-F0DEED57C70B}"/>
               </a:ext>
             </a:extLst>
           </p:cNvPr>
@@ -2110,7 +2111,7 @@
           <p:cNvPr id="11" name="Freeform: Shape 10">
             <a:extLst>
               <a:ext uri="{FF2B5EF4-FFF2-40B4-BE49-F238E27FC236}">
-                <a16:creationId xmlns:a16="http://schemas.microsoft.com/office/drawing/2014/main" id="{C07F28CD-1873-4E36-A064-2D25E0A85017}"/>
+                <a16:creationId xmlns:a16="http://schemas.microsoft.com/office/drawing/2014/main" xmlns="" id="{C07F28CD-1873-4E36-A064-2D25E0A85017}"/>
               </a:ext>
             </a:extLst>
           </p:cNvPr>
@@ -2248,7 +2249,7 @@
           <p:cNvPr id="12" name="Text Placeholder 4">
             <a:extLst>
               <a:ext uri="{FF2B5EF4-FFF2-40B4-BE49-F238E27FC236}">
-                <a16:creationId xmlns:a16="http://schemas.microsoft.com/office/drawing/2014/main" id="{ACF5677B-E56F-4452-ADDC-DA0E20A955EC}"/>
+                <a16:creationId xmlns:a16="http://schemas.microsoft.com/office/drawing/2014/main" xmlns="" id="{ACF5677B-E56F-4452-ADDC-DA0E20A955EC}"/>
               </a:ext>
             </a:extLst>
           </p:cNvPr>
@@ -2319,7 +2320,7 @@
           <p:cNvPr id="13" name="Content Placeholder 5">
             <a:extLst>
               <a:ext uri="{FF2B5EF4-FFF2-40B4-BE49-F238E27FC236}">
-                <a16:creationId xmlns:a16="http://schemas.microsoft.com/office/drawing/2014/main" id="{865D9C09-AB3B-40EB-B1DA-9C6D72343451}"/>
+                <a16:creationId xmlns:a16="http://schemas.microsoft.com/office/drawing/2014/main" xmlns="" id="{865D9C09-AB3B-40EB-B1DA-9C6D72343451}"/>
               </a:ext>
             </a:extLst>
           </p:cNvPr>
@@ -2430,7 +2431,7 @@
           <p:cNvPr id="20" name="Picture Placeholder 19">
             <a:extLst>
               <a:ext uri="{FF2B5EF4-FFF2-40B4-BE49-F238E27FC236}">
-                <a16:creationId xmlns:a16="http://schemas.microsoft.com/office/drawing/2014/main" id="{FAA9DFF3-1B49-48A9-BF8A-57DD7D07CFAF}"/>
+                <a16:creationId xmlns:a16="http://schemas.microsoft.com/office/drawing/2014/main" xmlns="" id="{FAA9DFF3-1B49-48A9-BF8A-57DD7D07CFAF}"/>
               </a:ext>
             </a:extLst>
           </p:cNvPr>
@@ -2555,7 +2556,7 @@
           <p:cNvPr id="21" name="Picture Placeholder 20">
             <a:extLst>
               <a:ext uri="{FF2B5EF4-FFF2-40B4-BE49-F238E27FC236}">
-                <a16:creationId xmlns:a16="http://schemas.microsoft.com/office/drawing/2014/main" id="{5CFEFC13-B998-4A6F-A7ED-411E266D288C}"/>
+                <a16:creationId xmlns:a16="http://schemas.microsoft.com/office/drawing/2014/main" xmlns="" id="{5CFEFC13-B998-4A6F-A7ED-411E266D288C}"/>
               </a:ext>
             </a:extLst>
           </p:cNvPr>
@@ -2698,7 +2699,7 @@
           <p:cNvPr id="10" name="Oval 9">
             <a:extLst>
               <a:ext uri="{FF2B5EF4-FFF2-40B4-BE49-F238E27FC236}">
-                <a16:creationId xmlns:a16="http://schemas.microsoft.com/office/drawing/2014/main" id="{B7BFFB5A-A05C-4B0C-905C-5884361304B2}"/>
+                <a16:creationId xmlns:a16="http://schemas.microsoft.com/office/drawing/2014/main" xmlns="" id="{B7BFFB5A-A05C-4B0C-905C-5884361304B2}"/>
               </a:ext>
             </a:extLst>
           </p:cNvPr>
@@ -2779,7 +2780,7 @@
           <p:cNvPr id="12" name="Arc 11">
             <a:extLst>
               <a:ext uri="{FF2B5EF4-FFF2-40B4-BE49-F238E27FC236}">
-                <a16:creationId xmlns:a16="http://schemas.microsoft.com/office/drawing/2014/main" id="{9F33AC6C-4807-4785-AE9F-84BFEEDA9F7E}"/>
+                <a16:creationId xmlns:a16="http://schemas.microsoft.com/office/drawing/2014/main" xmlns="" id="{9F33AC6C-4807-4785-AE9F-84BFEEDA9F7E}"/>
               </a:ext>
             </a:extLst>
           </p:cNvPr>
@@ -2861,7 +2862,7 @@
           <p:cNvPr id="2" name="Title 1">
             <a:extLst>
               <a:ext uri="{FF2B5EF4-FFF2-40B4-BE49-F238E27FC236}">
-                <a16:creationId xmlns:a16="http://schemas.microsoft.com/office/drawing/2014/main" id="{E0E11BF3-02E8-4EB7-818E-652B82CF2C9D}"/>
+                <a16:creationId xmlns:a16="http://schemas.microsoft.com/office/drawing/2014/main" xmlns="" id="{E0E11BF3-02E8-4EB7-818E-652B82CF2C9D}"/>
               </a:ext>
             </a:extLst>
           </p:cNvPr>
@@ -2895,7 +2896,7 @@
           <p:cNvPr id="3" name="Date Placeholder 2">
             <a:extLst>
               <a:ext uri="{FF2B5EF4-FFF2-40B4-BE49-F238E27FC236}">
-                <a16:creationId xmlns:a16="http://schemas.microsoft.com/office/drawing/2014/main" id="{254D3190-B78C-42F1-9D62-F523886BBE51}"/>
+                <a16:creationId xmlns:a16="http://schemas.microsoft.com/office/drawing/2014/main" xmlns="" id="{254D3190-B78C-42F1-9D62-F523886BBE51}"/>
               </a:ext>
             </a:extLst>
           </p:cNvPr>
@@ -2938,7 +2939,7 @@
           <p:cNvPr id="4" name="Footer Placeholder 3">
             <a:extLst>
               <a:ext uri="{FF2B5EF4-FFF2-40B4-BE49-F238E27FC236}">
-                <a16:creationId xmlns:a16="http://schemas.microsoft.com/office/drawing/2014/main" id="{EA381C40-F9FC-4D58-8508-F0632DF5A018}"/>
+                <a16:creationId xmlns:a16="http://schemas.microsoft.com/office/drawing/2014/main" xmlns="" id="{EA381C40-F9FC-4D58-8508-F0632DF5A018}"/>
               </a:ext>
             </a:extLst>
           </p:cNvPr>
@@ -2981,7 +2982,7 @@
           <p:cNvPr id="5" name="Slide Number Placeholder 4">
             <a:extLst>
               <a:ext uri="{FF2B5EF4-FFF2-40B4-BE49-F238E27FC236}">
-                <a16:creationId xmlns:a16="http://schemas.microsoft.com/office/drawing/2014/main" id="{2101CBCC-4CC2-49BD-B155-01E0F4D798BE}"/>
+                <a16:creationId xmlns:a16="http://schemas.microsoft.com/office/drawing/2014/main" xmlns="" id="{2101CBCC-4CC2-49BD-B155-01E0F4D798BE}"/>
               </a:ext>
             </a:extLst>
           </p:cNvPr>
@@ -3034,7 +3035,7 @@
           <p:cNvPr id="8" name="Content Placeholder 2">
             <a:extLst>
               <a:ext uri="{FF2B5EF4-FFF2-40B4-BE49-F238E27FC236}">
-                <a16:creationId xmlns:a16="http://schemas.microsoft.com/office/drawing/2014/main" id="{4753B078-30BA-4AB9-A020-EE8D9404B69E}"/>
+                <a16:creationId xmlns:a16="http://schemas.microsoft.com/office/drawing/2014/main" xmlns="" id="{4753B078-30BA-4AB9-A020-EE8D9404B69E}"/>
               </a:ext>
             </a:extLst>
           </p:cNvPr>
@@ -3133,7 +3134,7 @@
           <p:cNvPr id="10" name="Oval 9">
             <a:extLst>
               <a:ext uri="{FF2B5EF4-FFF2-40B4-BE49-F238E27FC236}">
-                <a16:creationId xmlns:a16="http://schemas.microsoft.com/office/drawing/2014/main" id="{2642EAF0-DE94-4F90-82E3-6F316AA8353A}"/>
+                <a16:creationId xmlns:a16="http://schemas.microsoft.com/office/drawing/2014/main" xmlns="" id="{2642EAF0-DE94-4F90-82E3-6F316AA8353A}"/>
               </a:ext>
             </a:extLst>
           </p:cNvPr>
@@ -3214,7 +3215,7 @@
           <p:cNvPr id="12" name="Freeform: Shape 11">
             <a:extLst>
               <a:ext uri="{FF2B5EF4-FFF2-40B4-BE49-F238E27FC236}">
-                <a16:creationId xmlns:a16="http://schemas.microsoft.com/office/drawing/2014/main" id="{D22D7888-22FA-4AA1-9BA4-CC61D6643D47}"/>
+                <a16:creationId xmlns:a16="http://schemas.microsoft.com/office/drawing/2014/main" xmlns="" id="{D22D7888-22FA-4AA1-9BA4-CC61D6643D47}"/>
               </a:ext>
             </a:extLst>
           </p:cNvPr>
@@ -3352,7 +3353,7 @@
           <p:cNvPr id="14" name="Freeform: Shape 13">
             <a:extLst>
               <a:ext uri="{FF2B5EF4-FFF2-40B4-BE49-F238E27FC236}">
-                <a16:creationId xmlns:a16="http://schemas.microsoft.com/office/drawing/2014/main" id="{EBB6E464-8999-4773-A1F2-E6CAA990E572}"/>
+                <a16:creationId xmlns:a16="http://schemas.microsoft.com/office/drawing/2014/main" xmlns="" id="{EBB6E464-8999-4773-A1F2-E6CAA990E572}"/>
               </a:ext>
             </a:extLst>
           </p:cNvPr>
@@ -3498,7 +3499,7 @@
           <p:cNvPr id="16" name="Freeform: Shape 15">
             <a:extLst>
               <a:ext uri="{FF2B5EF4-FFF2-40B4-BE49-F238E27FC236}">
-                <a16:creationId xmlns:a16="http://schemas.microsoft.com/office/drawing/2014/main" id="{CE9CE183-B21E-41EB-A082-DF9C3AD659D5}"/>
+                <a16:creationId xmlns:a16="http://schemas.microsoft.com/office/drawing/2014/main" xmlns="" id="{CE9CE183-B21E-41EB-A082-DF9C3AD659D5}"/>
               </a:ext>
             </a:extLst>
           </p:cNvPr>
@@ -3636,7 +3637,7 @@
           <p:cNvPr id="18" name="Freeform: Shape 17">
             <a:extLst>
               <a:ext uri="{FF2B5EF4-FFF2-40B4-BE49-F238E27FC236}">
-                <a16:creationId xmlns:a16="http://schemas.microsoft.com/office/drawing/2014/main" id="{1EA14BE8-FDD0-4434-9C3E-BFF78C22D9E3}"/>
+                <a16:creationId xmlns:a16="http://schemas.microsoft.com/office/drawing/2014/main" xmlns="" id="{1EA14BE8-FDD0-4434-9C3E-BFF78C22D9E3}"/>
               </a:ext>
             </a:extLst>
           </p:cNvPr>
@@ -3780,7 +3781,7 @@
           <p:cNvPr id="20" name="Freeform: Shape 19">
             <a:extLst>
               <a:ext uri="{FF2B5EF4-FFF2-40B4-BE49-F238E27FC236}">
-                <a16:creationId xmlns:a16="http://schemas.microsoft.com/office/drawing/2014/main" id="{5C76330B-4C5E-463F-921A-D91F1F1F6049}"/>
+                <a16:creationId xmlns:a16="http://schemas.microsoft.com/office/drawing/2014/main" xmlns="" id="{5C76330B-4C5E-463F-921A-D91F1F1F6049}"/>
               </a:ext>
             </a:extLst>
           </p:cNvPr>
@@ -4136,7 +4137,7 @@
           <p:cNvPr id="22" name="Freeform: Shape 21">
             <a:extLst>
               <a:ext uri="{FF2B5EF4-FFF2-40B4-BE49-F238E27FC236}">
-                <a16:creationId xmlns:a16="http://schemas.microsoft.com/office/drawing/2014/main" id="{E494E364-7EA8-4D92-915D-75D1A3A67C07}"/>
+                <a16:creationId xmlns:a16="http://schemas.microsoft.com/office/drawing/2014/main" xmlns="" id="{E494E364-7EA8-4D92-915D-75D1A3A67C07}"/>
               </a:ext>
             </a:extLst>
           </p:cNvPr>
@@ -4282,7 +4283,7 @@
           <p:cNvPr id="2" name="Title 1">
             <a:extLst>
               <a:ext uri="{FF2B5EF4-FFF2-40B4-BE49-F238E27FC236}">
-                <a16:creationId xmlns:a16="http://schemas.microsoft.com/office/drawing/2014/main" id="{E0E11BF3-02E8-4EB7-818E-652B82CF2C9D}"/>
+                <a16:creationId xmlns:a16="http://schemas.microsoft.com/office/drawing/2014/main" xmlns="" id="{E0E11BF3-02E8-4EB7-818E-652B82CF2C9D}"/>
               </a:ext>
             </a:extLst>
           </p:cNvPr>
@@ -4323,7 +4324,7 @@
           <p:cNvPr id="3" name="Date Placeholder 2">
             <a:extLst>
               <a:ext uri="{FF2B5EF4-FFF2-40B4-BE49-F238E27FC236}">
-                <a16:creationId xmlns:a16="http://schemas.microsoft.com/office/drawing/2014/main" id="{254D3190-B78C-42F1-9D62-F523886BBE51}"/>
+                <a16:creationId xmlns:a16="http://schemas.microsoft.com/office/drawing/2014/main" xmlns="" id="{254D3190-B78C-42F1-9D62-F523886BBE51}"/>
               </a:ext>
             </a:extLst>
           </p:cNvPr>
@@ -4371,7 +4372,7 @@
           <p:cNvPr id="4" name="Footer Placeholder 3">
             <a:extLst>
               <a:ext uri="{FF2B5EF4-FFF2-40B4-BE49-F238E27FC236}">
-                <a16:creationId xmlns:a16="http://schemas.microsoft.com/office/drawing/2014/main" id="{EA381C40-F9FC-4D58-8508-F0632DF5A018}"/>
+                <a16:creationId xmlns:a16="http://schemas.microsoft.com/office/drawing/2014/main" xmlns="" id="{EA381C40-F9FC-4D58-8508-F0632DF5A018}"/>
               </a:ext>
             </a:extLst>
           </p:cNvPr>
@@ -4419,7 +4420,7 @@
           <p:cNvPr id="5" name="Slide Number Placeholder 4">
             <a:extLst>
               <a:ext uri="{FF2B5EF4-FFF2-40B4-BE49-F238E27FC236}">
-                <a16:creationId xmlns:a16="http://schemas.microsoft.com/office/drawing/2014/main" id="{2101CBCC-4CC2-49BD-B155-01E0F4D798BE}"/>
+                <a16:creationId xmlns:a16="http://schemas.microsoft.com/office/drawing/2014/main" xmlns="" id="{2101CBCC-4CC2-49BD-B155-01E0F4D798BE}"/>
               </a:ext>
             </a:extLst>
           </p:cNvPr>
@@ -4477,7 +4478,7 @@
           <p:cNvPr id="8" name="Content Placeholder 2">
             <a:extLst>
               <a:ext uri="{FF2B5EF4-FFF2-40B4-BE49-F238E27FC236}">
-                <a16:creationId xmlns:a16="http://schemas.microsoft.com/office/drawing/2014/main" id="{4753B078-30BA-4AB9-A020-EE8D9404B69E}"/>
+                <a16:creationId xmlns:a16="http://schemas.microsoft.com/office/drawing/2014/main" xmlns="" id="{4753B078-30BA-4AB9-A020-EE8D9404B69E}"/>
               </a:ext>
             </a:extLst>
           </p:cNvPr>
@@ -4566,7 +4567,7 @@
           <p:cNvPr id="2" name="Date Placeholder 1">
             <a:extLst>
               <a:ext uri="{FF2B5EF4-FFF2-40B4-BE49-F238E27FC236}">
-                <a16:creationId xmlns:a16="http://schemas.microsoft.com/office/drawing/2014/main" id="{F7024287-C9B9-48AC-8E4D-A282DE2F44F5}"/>
+                <a16:creationId xmlns:a16="http://schemas.microsoft.com/office/drawing/2014/main" xmlns="" id="{F7024287-C9B9-48AC-8E4D-A282DE2F44F5}"/>
               </a:ext>
             </a:extLst>
           </p:cNvPr>
@@ -4609,7 +4610,7 @@
           <p:cNvPr id="3" name="Footer Placeholder 2">
             <a:extLst>
               <a:ext uri="{FF2B5EF4-FFF2-40B4-BE49-F238E27FC236}">
-                <a16:creationId xmlns:a16="http://schemas.microsoft.com/office/drawing/2014/main" id="{2D34C9A2-75A7-4164-B3B8-E6A9D60BA0B6}"/>
+                <a16:creationId xmlns:a16="http://schemas.microsoft.com/office/drawing/2014/main" xmlns="" id="{2D34C9A2-75A7-4164-B3B8-E6A9D60BA0B6}"/>
               </a:ext>
             </a:extLst>
           </p:cNvPr>
@@ -4652,7 +4653,7 @@
           <p:cNvPr id="4" name="Slide Number Placeholder 3">
             <a:extLst>
               <a:ext uri="{FF2B5EF4-FFF2-40B4-BE49-F238E27FC236}">
-                <a16:creationId xmlns:a16="http://schemas.microsoft.com/office/drawing/2014/main" id="{ECBE73CE-2859-4D49-A9EC-26AF3FBDF6A3}"/>
+                <a16:creationId xmlns:a16="http://schemas.microsoft.com/office/drawing/2014/main" xmlns="" id="{ECBE73CE-2859-4D49-A9EC-26AF3FBDF6A3}"/>
               </a:ext>
             </a:extLst>
           </p:cNvPr>
@@ -4705,7 +4706,7 @@
           <p:cNvPr id="5" name="Freeform: Shape 4">
             <a:extLst>
               <a:ext uri="{FF2B5EF4-FFF2-40B4-BE49-F238E27FC236}">
-                <a16:creationId xmlns:a16="http://schemas.microsoft.com/office/drawing/2014/main" id="{AA5ED585-FEBB-4DAD-84C0-97BEE6C360C3}"/>
+                <a16:creationId xmlns:a16="http://schemas.microsoft.com/office/drawing/2014/main" xmlns="" id="{AA5ED585-FEBB-4DAD-84C0-97BEE6C360C3}"/>
               </a:ext>
             </a:extLst>
           </p:cNvPr>
@@ -4851,7 +4852,7 @@
           <p:cNvPr id="6" name="Freeform: Shape 5">
             <a:extLst>
               <a:ext uri="{FF2B5EF4-FFF2-40B4-BE49-F238E27FC236}">
-                <a16:creationId xmlns:a16="http://schemas.microsoft.com/office/drawing/2014/main" id="{EF6AC352-A720-4DB3-87CA-A33B0607CA2F}"/>
+                <a16:creationId xmlns:a16="http://schemas.microsoft.com/office/drawing/2014/main" xmlns="" id="{EF6AC352-A720-4DB3-87CA-A33B0607CA2F}"/>
               </a:ext>
             </a:extLst>
           </p:cNvPr>
@@ -5019,7 +5020,7 @@
           <p:cNvPr id="2" name="Date Placeholder 1">
             <a:extLst>
               <a:ext uri="{FF2B5EF4-FFF2-40B4-BE49-F238E27FC236}">
-                <a16:creationId xmlns:a16="http://schemas.microsoft.com/office/drawing/2014/main" id="{F7024287-C9B9-48AC-8E4D-A282DE2F44F5}"/>
+                <a16:creationId xmlns:a16="http://schemas.microsoft.com/office/drawing/2014/main" xmlns="" id="{F7024287-C9B9-48AC-8E4D-A282DE2F44F5}"/>
               </a:ext>
             </a:extLst>
           </p:cNvPr>
@@ -5062,7 +5063,7 @@
           <p:cNvPr id="3" name="Footer Placeholder 2">
             <a:extLst>
               <a:ext uri="{FF2B5EF4-FFF2-40B4-BE49-F238E27FC236}">
-                <a16:creationId xmlns:a16="http://schemas.microsoft.com/office/drawing/2014/main" id="{2D34C9A2-75A7-4164-B3B8-E6A9D60BA0B6}"/>
+                <a16:creationId xmlns:a16="http://schemas.microsoft.com/office/drawing/2014/main" xmlns="" id="{2D34C9A2-75A7-4164-B3B8-E6A9D60BA0B6}"/>
               </a:ext>
             </a:extLst>
           </p:cNvPr>
@@ -5105,7 +5106,7 @@
           <p:cNvPr id="4" name="Slide Number Placeholder 3">
             <a:extLst>
               <a:ext uri="{FF2B5EF4-FFF2-40B4-BE49-F238E27FC236}">
-                <a16:creationId xmlns:a16="http://schemas.microsoft.com/office/drawing/2014/main" id="{ECBE73CE-2859-4D49-A9EC-26AF3FBDF6A3}"/>
+                <a16:creationId xmlns:a16="http://schemas.microsoft.com/office/drawing/2014/main" xmlns="" id="{ECBE73CE-2859-4D49-A9EC-26AF3FBDF6A3}"/>
               </a:ext>
             </a:extLst>
           </p:cNvPr>
@@ -5158,7 +5159,7 @@
           <p:cNvPr id="5" name="Freeform: Shape 4">
             <a:extLst>
               <a:ext uri="{FF2B5EF4-FFF2-40B4-BE49-F238E27FC236}">
-                <a16:creationId xmlns:a16="http://schemas.microsoft.com/office/drawing/2014/main" id="{AA5ED585-FEBB-4DAD-84C0-97BEE6C360C3}"/>
+                <a16:creationId xmlns:a16="http://schemas.microsoft.com/office/drawing/2014/main" xmlns="" id="{AA5ED585-FEBB-4DAD-84C0-97BEE6C360C3}"/>
               </a:ext>
             </a:extLst>
           </p:cNvPr>
@@ -5304,7 +5305,7 @@
           <p:cNvPr id="6" name="Freeform: Shape 5">
             <a:extLst>
               <a:ext uri="{FF2B5EF4-FFF2-40B4-BE49-F238E27FC236}">
-                <a16:creationId xmlns:a16="http://schemas.microsoft.com/office/drawing/2014/main" id="{EF6AC352-A720-4DB3-87CA-A33B0607CA2F}"/>
+                <a16:creationId xmlns:a16="http://schemas.microsoft.com/office/drawing/2014/main" xmlns="" id="{EF6AC352-A720-4DB3-87CA-A33B0607CA2F}"/>
               </a:ext>
             </a:extLst>
           </p:cNvPr>
@@ -5442,7 +5443,7 @@
           <p:cNvPr id="7" name="Title 6">
             <a:extLst>
               <a:ext uri="{FF2B5EF4-FFF2-40B4-BE49-F238E27FC236}">
-                <a16:creationId xmlns:a16="http://schemas.microsoft.com/office/drawing/2014/main" id="{C9A1C714-6A0E-456D-A2E2-6288C0EA077B}"/>
+                <a16:creationId xmlns:a16="http://schemas.microsoft.com/office/drawing/2014/main" xmlns="" id="{C9A1C714-6A0E-456D-A2E2-6288C0EA077B}"/>
               </a:ext>
             </a:extLst>
           </p:cNvPr>
@@ -5500,7 +5501,7 @@
           <p:cNvPr id="2" name="Title 1">
             <a:extLst>
               <a:ext uri="{FF2B5EF4-FFF2-40B4-BE49-F238E27FC236}">
-                <a16:creationId xmlns:a16="http://schemas.microsoft.com/office/drawing/2014/main" id="{9CFFC812-4DB6-4F98-9404-29C191D3BAD7}"/>
+                <a16:creationId xmlns:a16="http://schemas.microsoft.com/office/drawing/2014/main" xmlns="" id="{9CFFC812-4DB6-4F98-9404-29C191D3BAD7}"/>
               </a:ext>
             </a:extLst>
           </p:cNvPr>
@@ -5537,7 +5538,7 @@
           <p:cNvPr id="3" name="Content Placeholder 2">
             <a:extLst>
               <a:ext uri="{FF2B5EF4-FFF2-40B4-BE49-F238E27FC236}">
-                <a16:creationId xmlns:a16="http://schemas.microsoft.com/office/drawing/2014/main" id="{92F0855E-0CD6-47DD-B648-4C84C783D784}"/>
+                <a16:creationId xmlns:a16="http://schemas.microsoft.com/office/drawing/2014/main" xmlns="" id="{92F0855E-0CD6-47DD-B648-4C84C783D784}"/>
               </a:ext>
             </a:extLst>
           </p:cNvPr>
@@ -5627,7 +5628,7 @@
           <p:cNvPr id="4" name="Text Placeholder 3">
             <a:extLst>
               <a:ext uri="{FF2B5EF4-FFF2-40B4-BE49-F238E27FC236}">
-                <a16:creationId xmlns:a16="http://schemas.microsoft.com/office/drawing/2014/main" id="{ED50082B-17D7-4D61-8AEB-81517D85D253}"/>
+                <a16:creationId xmlns:a16="http://schemas.microsoft.com/office/drawing/2014/main" xmlns="" id="{ED50082B-17D7-4D61-8AEB-81517D85D253}"/>
               </a:ext>
             </a:extLst>
           </p:cNvPr>
@@ -5698,7 +5699,7 @@
           <p:cNvPr id="5" name="Date Placeholder 4">
             <a:extLst>
               <a:ext uri="{FF2B5EF4-FFF2-40B4-BE49-F238E27FC236}">
-                <a16:creationId xmlns:a16="http://schemas.microsoft.com/office/drawing/2014/main" id="{81A70783-FF31-4C4E-9196-EB169B209747}"/>
+                <a16:creationId xmlns:a16="http://schemas.microsoft.com/office/drawing/2014/main" xmlns="" id="{81A70783-FF31-4C4E-9196-EB169B209747}"/>
               </a:ext>
             </a:extLst>
           </p:cNvPr>
@@ -5741,7 +5742,7 @@
           <p:cNvPr id="6" name="Footer Placeholder 5">
             <a:extLst>
               <a:ext uri="{FF2B5EF4-FFF2-40B4-BE49-F238E27FC236}">
-                <a16:creationId xmlns:a16="http://schemas.microsoft.com/office/drawing/2014/main" id="{7D92E260-747D-40FD-A062-9DD5E6835ABB}"/>
+                <a16:creationId xmlns:a16="http://schemas.microsoft.com/office/drawing/2014/main" xmlns="" id="{7D92E260-747D-40FD-A062-9DD5E6835ABB}"/>
               </a:ext>
             </a:extLst>
           </p:cNvPr>
@@ -5784,7 +5785,7 @@
           <p:cNvPr id="7" name="Slide Number Placeholder 6">
             <a:extLst>
               <a:ext uri="{FF2B5EF4-FFF2-40B4-BE49-F238E27FC236}">
-                <a16:creationId xmlns:a16="http://schemas.microsoft.com/office/drawing/2014/main" id="{887E50A0-1E05-49C5-88C9-46267751201F}"/>
+                <a16:creationId xmlns:a16="http://schemas.microsoft.com/office/drawing/2014/main" xmlns="" id="{887E50A0-1E05-49C5-88C9-46267751201F}"/>
               </a:ext>
             </a:extLst>
           </p:cNvPr>
@@ -5837,7 +5838,7 @@
           <p:cNvPr id="8" name="Freeform: Shape 7">
             <a:extLst>
               <a:ext uri="{FF2B5EF4-FFF2-40B4-BE49-F238E27FC236}">
-                <a16:creationId xmlns:a16="http://schemas.microsoft.com/office/drawing/2014/main" id="{2C155C63-9F58-4422-B669-F97486280671}"/>
+                <a16:creationId xmlns:a16="http://schemas.microsoft.com/office/drawing/2014/main" xmlns="" id="{2C155C63-9F58-4422-B669-F97486280671}"/>
               </a:ext>
             </a:extLst>
           </p:cNvPr>
@@ -5983,7 +5984,7 @@
           <p:cNvPr id="9" name="Freeform: Shape 8">
             <a:extLst>
               <a:ext uri="{FF2B5EF4-FFF2-40B4-BE49-F238E27FC236}">
-                <a16:creationId xmlns:a16="http://schemas.microsoft.com/office/drawing/2014/main" id="{385DBA62-0EDB-47AA-86C7-90463BC9B308}"/>
+                <a16:creationId xmlns:a16="http://schemas.microsoft.com/office/drawing/2014/main" xmlns="" id="{385DBA62-0EDB-47AA-86C7-90463BC9B308}"/>
               </a:ext>
             </a:extLst>
           </p:cNvPr>
@@ -6151,7 +6152,7 @@
           <p:cNvPr id="2" name="Title 1">
             <a:extLst>
               <a:ext uri="{FF2B5EF4-FFF2-40B4-BE49-F238E27FC236}">
-                <a16:creationId xmlns:a16="http://schemas.microsoft.com/office/drawing/2014/main" id="{B21D7521-E43D-41D1-B458-26B20DC6DDD8}"/>
+                <a16:creationId xmlns:a16="http://schemas.microsoft.com/office/drawing/2014/main" xmlns="" id="{B21D7521-E43D-41D1-B458-26B20DC6DDD8}"/>
               </a:ext>
             </a:extLst>
           </p:cNvPr>
@@ -6188,7 +6189,7 @@
           <p:cNvPr id="3" name="Picture Placeholder 2">
             <a:extLst>
               <a:ext uri="{FF2B5EF4-FFF2-40B4-BE49-F238E27FC236}">
-                <a16:creationId xmlns:a16="http://schemas.microsoft.com/office/drawing/2014/main" id="{A2472CF2-2653-4B98-A416-D7A0A860ECE0}"/>
+                <a16:creationId xmlns:a16="http://schemas.microsoft.com/office/drawing/2014/main" xmlns="" id="{A2472CF2-2653-4B98-A416-D7A0A860ECE0}"/>
               </a:ext>
             </a:extLst>
           </p:cNvPr>
@@ -6259,7 +6260,7 @@
           <p:cNvPr id="4" name="Text Placeholder 3">
             <a:extLst>
               <a:ext uri="{FF2B5EF4-FFF2-40B4-BE49-F238E27FC236}">
-                <a16:creationId xmlns:a16="http://schemas.microsoft.com/office/drawing/2014/main" id="{A6EF87F5-0B10-4AC7-9599-F088C5E796D7}"/>
+                <a16:creationId xmlns:a16="http://schemas.microsoft.com/office/drawing/2014/main" xmlns="" id="{A6EF87F5-0B10-4AC7-9599-F088C5E796D7}"/>
               </a:ext>
             </a:extLst>
           </p:cNvPr>
@@ -6330,7 +6331,7 @@
           <p:cNvPr id="5" name="Date Placeholder 4">
             <a:extLst>
               <a:ext uri="{FF2B5EF4-FFF2-40B4-BE49-F238E27FC236}">
-                <a16:creationId xmlns:a16="http://schemas.microsoft.com/office/drawing/2014/main" id="{62A07CB7-0520-4D64-B76C-C31AC557832D}"/>
+                <a16:creationId xmlns:a16="http://schemas.microsoft.com/office/drawing/2014/main" xmlns="" id="{62A07CB7-0520-4D64-B76C-C31AC557832D}"/>
               </a:ext>
             </a:extLst>
           </p:cNvPr>
@@ -6373,7 +6374,7 @@
           <p:cNvPr id="6" name="Footer Placeholder 5">
             <a:extLst>
               <a:ext uri="{FF2B5EF4-FFF2-40B4-BE49-F238E27FC236}">
-                <a16:creationId xmlns:a16="http://schemas.microsoft.com/office/drawing/2014/main" id="{92EEB226-AD45-45DF-AAB5-5513AE732AAE}"/>
+                <a16:creationId xmlns:a16="http://schemas.microsoft.com/office/drawing/2014/main" xmlns="" id="{92EEB226-AD45-45DF-AAB5-5513AE732AAE}"/>
               </a:ext>
             </a:extLst>
           </p:cNvPr>
@@ -6416,7 +6417,7 @@
           <p:cNvPr id="7" name="Slide Number Placeholder 6">
             <a:extLst>
               <a:ext uri="{FF2B5EF4-FFF2-40B4-BE49-F238E27FC236}">
-                <a16:creationId xmlns:a16="http://schemas.microsoft.com/office/drawing/2014/main" id="{95E96AEB-9481-4CCE-B110-FEDD334835B8}"/>
+                <a16:creationId xmlns:a16="http://schemas.microsoft.com/office/drawing/2014/main" xmlns="" id="{95E96AEB-9481-4CCE-B110-FEDD334835B8}"/>
               </a:ext>
             </a:extLst>
           </p:cNvPr>
@@ -6469,7 +6470,7 @@
           <p:cNvPr id="8" name="Freeform: Shape 7">
             <a:extLst>
               <a:ext uri="{FF2B5EF4-FFF2-40B4-BE49-F238E27FC236}">
-                <a16:creationId xmlns:a16="http://schemas.microsoft.com/office/drawing/2014/main" id="{6BA9707F-7BCE-464F-BF45-E216527084EE}"/>
+                <a16:creationId xmlns:a16="http://schemas.microsoft.com/office/drawing/2014/main" xmlns="" id="{6BA9707F-7BCE-464F-BF45-E216527084EE}"/>
               </a:ext>
             </a:extLst>
           </p:cNvPr>
@@ -6615,7 +6616,7 @@
           <p:cNvPr id="9" name="Freeform: Shape 8">
             <a:extLst>
               <a:ext uri="{FF2B5EF4-FFF2-40B4-BE49-F238E27FC236}">
-                <a16:creationId xmlns:a16="http://schemas.microsoft.com/office/drawing/2014/main" id="{BC589723-2CC8-49D1-B4E1-36FECED6A2D7}"/>
+                <a16:creationId xmlns:a16="http://schemas.microsoft.com/office/drawing/2014/main" xmlns="" id="{BC589723-2CC8-49D1-B4E1-36FECED6A2D7}"/>
               </a:ext>
             </a:extLst>
           </p:cNvPr>
@@ -6783,7 +6784,7 @@
           <p:cNvPr id="10" name="Oval 9">
             <a:extLst>
               <a:ext uri="{FF2B5EF4-FFF2-40B4-BE49-F238E27FC236}">
-                <a16:creationId xmlns:a16="http://schemas.microsoft.com/office/drawing/2014/main" id="{AFA665D7-34D0-4262-B345-9B1A1BA8DA17}"/>
+                <a16:creationId xmlns:a16="http://schemas.microsoft.com/office/drawing/2014/main" xmlns="" id="{AFA665D7-34D0-4262-B345-9B1A1BA8DA17}"/>
               </a:ext>
             </a:extLst>
           </p:cNvPr>
@@ -6864,7 +6865,7 @@
           <p:cNvPr id="12" name="Arc 11">
             <a:extLst>
               <a:ext uri="{FF2B5EF4-FFF2-40B4-BE49-F238E27FC236}">
-                <a16:creationId xmlns:a16="http://schemas.microsoft.com/office/drawing/2014/main" id="{39ECC553-79E5-4B14-89C9-4DAD2B1021B1}"/>
+                <a16:creationId xmlns:a16="http://schemas.microsoft.com/office/drawing/2014/main" xmlns="" id="{39ECC553-79E5-4B14-89C9-4DAD2B1021B1}"/>
               </a:ext>
             </a:extLst>
           </p:cNvPr>
@@ -6947,7 +6948,7 @@
           <p:cNvPr id="14" name="Oval 13">
             <a:extLst>
               <a:ext uri="{FF2B5EF4-FFF2-40B4-BE49-F238E27FC236}">
-                <a16:creationId xmlns:a16="http://schemas.microsoft.com/office/drawing/2014/main" id="{55797934-7E2B-4F94-89C4-0279413FF821}"/>
+                <a16:creationId xmlns:a16="http://schemas.microsoft.com/office/drawing/2014/main" xmlns="" id="{55797934-7E2B-4F94-89C4-0279413FF821}"/>
               </a:ext>
             </a:extLst>
           </p:cNvPr>
@@ -7028,7 +7029,7 @@
           <p:cNvPr id="2" name="Title 1">
             <a:extLst>
               <a:ext uri="{FF2B5EF4-FFF2-40B4-BE49-F238E27FC236}">
-                <a16:creationId xmlns:a16="http://schemas.microsoft.com/office/drawing/2014/main" id="{249FF209-11EE-4A3F-9685-A155FECD0DC8}"/>
+                <a16:creationId xmlns:a16="http://schemas.microsoft.com/office/drawing/2014/main" xmlns="" id="{249FF209-11EE-4A3F-9685-A155FECD0DC8}"/>
               </a:ext>
             </a:extLst>
           </p:cNvPr>
@@ -7069,7 +7070,7 @@
           <p:cNvPr id="3" name="Content Placeholder 2">
             <a:extLst>
               <a:ext uri="{FF2B5EF4-FFF2-40B4-BE49-F238E27FC236}">
-                <a16:creationId xmlns:a16="http://schemas.microsoft.com/office/drawing/2014/main" id="{0A47AF11-F208-4FDA-9E19-D6CA3472134E}"/>
+                <a16:creationId xmlns:a16="http://schemas.microsoft.com/office/drawing/2014/main" xmlns="" id="{0A47AF11-F208-4FDA-9E19-D6CA3472134E}"/>
               </a:ext>
             </a:extLst>
           </p:cNvPr>
@@ -7132,7 +7133,7 @@
           <p:cNvPr id="4" name="Date Placeholder 3">
             <a:extLst>
               <a:ext uri="{FF2B5EF4-FFF2-40B4-BE49-F238E27FC236}">
-                <a16:creationId xmlns:a16="http://schemas.microsoft.com/office/drawing/2014/main" id="{96E82FA1-02B7-467E-9F16-D178149407C5}"/>
+                <a16:creationId xmlns:a16="http://schemas.microsoft.com/office/drawing/2014/main" xmlns="" id="{96E82FA1-02B7-467E-9F16-D178149407C5}"/>
               </a:ext>
             </a:extLst>
           </p:cNvPr>
@@ -7175,7 +7176,7 @@
           <p:cNvPr id="5" name="Footer Placeholder 4">
             <a:extLst>
               <a:ext uri="{FF2B5EF4-FFF2-40B4-BE49-F238E27FC236}">
-                <a16:creationId xmlns:a16="http://schemas.microsoft.com/office/drawing/2014/main" id="{6D389247-FB8A-4494-859B-B3754B02A5EE}"/>
+                <a16:creationId xmlns:a16="http://schemas.microsoft.com/office/drawing/2014/main" xmlns="" id="{6D389247-FB8A-4494-859B-B3754B02A5EE}"/>
               </a:ext>
             </a:extLst>
           </p:cNvPr>
@@ -7218,7 +7219,7 @@
           <p:cNvPr id="6" name="Slide Number Placeholder 5">
             <a:extLst>
               <a:ext uri="{FF2B5EF4-FFF2-40B4-BE49-F238E27FC236}">
-                <a16:creationId xmlns:a16="http://schemas.microsoft.com/office/drawing/2014/main" id="{52CA5B62-3338-46A5-B381-A63B88CB0DDA}"/>
+                <a16:creationId xmlns:a16="http://schemas.microsoft.com/office/drawing/2014/main" xmlns="" id="{52CA5B62-3338-46A5-B381-A63B88CB0DDA}"/>
               </a:ext>
             </a:extLst>
           </p:cNvPr>
@@ -7301,7 +7302,7 @@
           <p:cNvPr id="22" name="Picture Placeholder 21">
             <a:extLst>
               <a:ext uri="{FF2B5EF4-FFF2-40B4-BE49-F238E27FC236}">
-                <a16:creationId xmlns:a16="http://schemas.microsoft.com/office/drawing/2014/main" id="{5A614E3F-4FB2-4152-A59C-941C908D7B05}"/>
+                <a16:creationId xmlns:a16="http://schemas.microsoft.com/office/drawing/2014/main" xmlns="" id="{5A614E3F-4FB2-4152-A59C-941C908D7B05}"/>
               </a:ext>
             </a:extLst>
           </p:cNvPr>
@@ -7476,7 +7477,7 @@
           <p:cNvPr id="21" name="Picture Placeholder 20">
             <a:extLst>
               <a:ext uri="{FF2B5EF4-FFF2-40B4-BE49-F238E27FC236}">
-                <a16:creationId xmlns:a16="http://schemas.microsoft.com/office/drawing/2014/main" id="{8A1F486A-F545-4642-B1CB-5356704413D3}"/>
+                <a16:creationId xmlns:a16="http://schemas.microsoft.com/office/drawing/2014/main" xmlns="" id="{8A1F486A-F545-4642-B1CB-5356704413D3}"/>
               </a:ext>
             </a:extLst>
           </p:cNvPr>
@@ -7579,7 +7580,7 @@
           <p:cNvPr id="2" name="Title 1">
             <a:extLst>
               <a:ext uri="{FF2B5EF4-FFF2-40B4-BE49-F238E27FC236}">
-                <a16:creationId xmlns:a16="http://schemas.microsoft.com/office/drawing/2014/main" id="{249FF209-11EE-4A3F-9685-A155FECD0DC8}"/>
+                <a16:creationId xmlns:a16="http://schemas.microsoft.com/office/drawing/2014/main" xmlns="" id="{249FF209-11EE-4A3F-9685-A155FECD0DC8}"/>
               </a:ext>
             </a:extLst>
           </p:cNvPr>
@@ -7612,7 +7613,7 @@
           <p:cNvPr id="3" name="Content Placeholder 2">
             <a:extLst>
               <a:ext uri="{FF2B5EF4-FFF2-40B4-BE49-F238E27FC236}">
-                <a16:creationId xmlns:a16="http://schemas.microsoft.com/office/drawing/2014/main" id="{0A47AF11-F208-4FDA-9E19-D6CA3472134E}"/>
+                <a16:creationId xmlns:a16="http://schemas.microsoft.com/office/drawing/2014/main" xmlns="" id="{0A47AF11-F208-4FDA-9E19-D6CA3472134E}"/>
               </a:ext>
             </a:extLst>
           </p:cNvPr>
@@ -7701,7 +7702,7 @@
           <p:cNvPr id="4" name="Date Placeholder 3">
             <a:extLst>
               <a:ext uri="{FF2B5EF4-FFF2-40B4-BE49-F238E27FC236}">
-                <a16:creationId xmlns:a16="http://schemas.microsoft.com/office/drawing/2014/main" id="{96E82FA1-02B7-467E-9F16-D178149407C5}"/>
+                <a16:creationId xmlns:a16="http://schemas.microsoft.com/office/drawing/2014/main" xmlns="" id="{96E82FA1-02B7-467E-9F16-D178149407C5}"/>
               </a:ext>
             </a:extLst>
           </p:cNvPr>
@@ -7744,7 +7745,7 @@
           <p:cNvPr id="5" name="Footer Placeholder 4">
             <a:extLst>
               <a:ext uri="{FF2B5EF4-FFF2-40B4-BE49-F238E27FC236}">
-                <a16:creationId xmlns:a16="http://schemas.microsoft.com/office/drawing/2014/main" id="{6D389247-FB8A-4494-859B-B3754B02A5EE}"/>
+                <a16:creationId xmlns:a16="http://schemas.microsoft.com/office/drawing/2014/main" xmlns="" id="{6D389247-FB8A-4494-859B-B3754B02A5EE}"/>
               </a:ext>
             </a:extLst>
           </p:cNvPr>
@@ -7787,7 +7788,7 @@
           <p:cNvPr id="6" name="Slide Number Placeholder 5">
             <a:extLst>
               <a:ext uri="{FF2B5EF4-FFF2-40B4-BE49-F238E27FC236}">
-                <a16:creationId xmlns:a16="http://schemas.microsoft.com/office/drawing/2014/main" id="{52CA5B62-3338-46A5-B381-A63B88CB0DDA}"/>
+                <a16:creationId xmlns:a16="http://schemas.microsoft.com/office/drawing/2014/main" xmlns="" id="{52CA5B62-3338-46A5-B381-A63B88CB0DDA}"/>
               </a:ext>
             </a:extLst>
           </p:cNvPr>
@@ -7840,7 +7841,7 @@
           <p:cNvPr id="10" name="Oval 9">
             <a:extLst>
               <a:ext uri="{FF2B5EF4-FFF2-40B4-BE49-F238E27FC236}">
-                <a16:creationId xmlns:a16="http://schemas.microsoft.com/office/drawing/2014/main" id="{E8E71C73-7BAD-4838-88C1-42E045A9D179}"/>
+                <a16:creationId xmlns:a16="http://schemas.microsoft.com/office/drawing/2014/main" xmlns="" id="{E8E71C73-7BAD-4838-88C1-42E045A9D179}"/>
               </a:ext>
             </a:extLst>
           </p:cNvPr>
@@ -7921,7 +7922,7 @@
           <p:cNvPr id="12" name="Rectangle 11">
             <a:extLst>
               <a:ext uri="{FF2B5EF4-FFF2-40B4-BE49-F238E27FC236}">
-                <a16:creationId xmlns:a16="http://schemas.microsoft.com/office/drawing/2014/main" id="{44560922-5803-412D-880B-065E75DCBC0A}"/>
+                <a16:creationId xmlns:a16="http://schemas.microsoft.com/office/drawing/2014/main" xmlns="" id="{44560922-5803-412D-880B-065E75DCBC0A}"/>
               </a:ext>
             </a:extLst>
           </p:cNvPr>
@@ -8033,7 +8034,7 @@
           <p:cNvPr id="7" name="Oval 6">
             <a:extLst>
               <a:ext uri="{FF2B5EF4-FFF2-40B4-BE49-F238E27FC236}">
-                <a16:creationId xmlns:a16="http://schemas.microsoft.com/office/drawing/2014/main" id="{200EACD1-D216-4037-8AFF-80CF273586DF}"/>
+                <a16:creationId xmlns:a16="http://schemas.microsoft.com/office/drawing/2014/main" xmlns="" id="{200EACD1-D216-4037-8AFF-80CF273586DF}"/>
               </a:ext>
             </a:extLst>
           </p:cNvPr>
@@ -8114,7 +8115,7 @@
           <p:cNvPr id="8" name="Arc 7">
             <a:extLst>
               <a:ext uri="{FF2B5EF4-FFF2-40B4-BE49-F238E27FC236}">
-                <a16:creationId xmlns:a16="http://schemas.microsoft.com/office/drawing/2014/main" id="{F941DE04-3FEA-4A57-B200-F9F6A765C792}"/>
+                <a16:creationId xmlns:a16="http://schemas.microsoft.com/office/drawing/2014/main" xmlns="" id="{F941DE04-3FEA-4A57-B200-F9F6A765C792}"/>
               </a:ext>
             </a:extLst>
           </p:cNvPr>
@@ -8198,7 +8199,7 @@
           <p:cNvPr id="14" name="Oval 13">
             <a:extLst>
               <a:ext uri="{FF2B5EF4-FFF2-40B4-BE49-F238E27FC236}">
-                <a16:creationId xmlns:a16="http://schemas.microsoft.com/office/drawing/2014/main" id="{A565C7B4-4152-4548-A771-EB148A028FDB}"/>
+                <a16:creationId xmlns:a16="http://schemas.microsoft.com/office/drawing/2014/main" xmlns="" id="{A565C7B4-4152-4548-A771-EB148A028FDB}"/>
               </a:ext>
             </a:extLst>
           </p:cNvPr>
@@ -8279,7 +8280,7 @@
           <p:cNvPr id="2" name="Title 1">
             <a:extLst>
               <a:ext uri="{FF2B5EF4-FFF2-40B4-BE49-F238E27FC236}">
-                <a16:creationId xmlns:a16="http://schemas.microsoft.com/office/drawing/2014/main" id="{A04C0001-5D76-45A0-A9F4-7172BDDD5D28}"/>
+                <a16:creationId xmlns:a16="http://schemas.microsoft.com/office/drawing/2014/main" xmlns="" id="{A04C0001-5D76-45A0-A9F4-7172BDDD5D28}"/>
               </a:ext>
             </a:extLst>
           </p:cNvPr>
@@ -8320,7 +8321,7 @@
           <p:cNvPr id="3" name="Text Placeholder 2">
             <a:extLst>
               <a:ext uri="{FF2B5EF4-FFF2-40B4-BE49-F238E27FC236}">
-                <a16:creationId xmlns:a16="http://schemas.microsoft.com/office/drawing/2014/main" id="{9E1462C4-0E4B-4DB7-A8BF-FE55142760AF}"/>
+                <a16:creationId xmlns:a16="http://schemas.microsoft.com/office/drawing/2014/main" xmlns="" id="{9E1462C4-0E4B-4DB7-A8BF-FE55142760AF}"/>
               </a:ext>
             </a:extLst>
           </p:cNvPr>
@@ -8473,7 +8474,7 @@
           <p:cNvPr id="2" name="Title 1">
             <a:extLst>
               <a:ext uri="{FF2B5EF4-FFF2-40B4-BE49-F238E27FC236}">
-                <a16:creationId xmlns:a16="http://schemas.microsoft.com/office/drawing/2014/main" id="{249FF209-11EE-4A3F-9685-A155FECD0DC8}"/>
+                <a16:creationId xmlns:a16="http://schemas.microsoft.com/office/drawing/2014/main" xmlns="" id="{249FF209-11EE-4A3F-9685-A155FECD0DC8}"/>
               </a:ext>
             </a:extLst>
           </p:cNvPr>
@@ -8506,7 +8507,7 @@
           <p:cNvPr id="3" name="Content Placeholder 2">
             <a:extLst>
               <a:ext uri="{FF2B5EF4-FFF2-40B4-BE49-F238E27FC236}">
-                <a16:creationId xmlns:a16="http://schemas.microsoft.com/office/drawing/2014/main" id="{0A47AF11-F208-4FDA-9E19-D6CA3472134E}"/>
+                <a16:creationId xmlns:a16="http://schemas.microsoft.com/office/drawing/2014/main" xmlns="" id="{0A47AF11-F208-4FDA-9E19-D6CA3472134E}"/>
               </a:ext>
             </a:extLst>
           </p:cNvPr>
@@ -8568,7 +8569,7 @@
           <p:cNvPr id="4" name="Date Placeholder 3">
             <a:extLst>
               <a:ext uri="{FF2B5EF4-FFF2-40B4-BE49-F238E27FC236}">
-                <a16:creationId xmlns:a16="http://schemas.microsoft.com/office/drawing/2014/main" id="{96E82FA1-02B7-467E-9F16-D178149407C5}"/>
+                <a16:creationId xmlns:a16="http://schemas.microsoft.com/office/drawing/2014/main" xmlns="" id="{96E82FA1-02B7-467E-9F16-D178149407C5}"/>
               </a:ext>
             </a:extLst>
           </p:cNvPr>
@@ -8611,7 +8612,7 @@
           <p:cNvPr id="5" name="Footer Placeholder 4">
             <a:extLst>
               <a:ext uri="{FF2B5EF4-FFF2-40B4-BE49-F238E27FC236}">
-                <a16:creationId xmlns:a16="http://schemas.microsoft.com/office/drawing/2014/main" id="{6D389247-FB8A-4494-859B-B3754B02A5EE}"/>
+                <a16:creationId xmlns:a16="http://schemas.microsoft.com/office/drawing/2014/main" xmlns="" id="{6D389247-FB8A-4494-859B-B3754B02A5EE}"/>
               </a:ext>
             </a:extLst>
           </p:cNvPr>
@@ -8654,7 +8655,7 @@
           <p:cNvPr id="6" name="Slide Number Placeholder 5">
             <a:extLst>
               <a:ext uri="{FF2B5EF4-FFF2-40B4-BE49-F238E27FC236}">
-                <a16:creationId xmlns:a16="http://schemas.microsoft.com/office/drawing/2014/main" id="{52CA5B62-3338-46A5-B381-A63B88CB0DDA}"/>
+                <a16:creationId xmlns:a16="http://schemas.microsoft.com/office/drawing/2014/main" xmlns="" id="{52CA5B62-3338-46A5-B381-A63B88CB0DDA}"/>
               </a:ext>
             </a:extLst>
           </p:cNvPr>
@@ -8707,7 +8708,7 @@
           <p:cNvPr id="7" name="Freeform: Shape 6">
             <a:extLst>
               <a:ext uri="{FF2B5EF4-FFF2-40B4-BE49-F238E27FC236}">
-                <a16:creationId xmlns:a16="http://schemas.microsoft.com/office/drawing/2014/main" id="{23DA7759-3209-4FE2-96D1-4EEDD81E9EA0}"/>
+                <a16:creationId xmlns:a16="http://schemas.microsoft.com/office/drawing/2014/main" xmlns="" id="{23DA7759-3209-4FE2-96D1-4EEDD81E9EA0}"/>
               </a:ext>
             </a:extLst>
           </p:cNvPr>
@@ -8845,7 +8846,7 @@
           <p:cNvPr id="8" name="Freeform: Shape 7">
             <a:extLst>
               <a:ext uri="{FF2B5EF4-FFF2-40B4-BE49-F238E27FC236}">
-                <a16:creationId xmlns:a16="http://schemas.microsoft.com/office/drawing/2014/main" id="{41460DAD-8769-4C9F-9C8C-BB0443909D76}"/>
+                <a16:creationId xmlns:a16="http://schemas.microsoft.com/office/drawing/2014/main" xmlns="" id="{41460DAD-8769-4C9F-9C8C-BB0443909D76}"/>
               </a:ext>
             </a:extLst>
           </p:cNvPr>
@@ -9231,7 +9232,7 @@
           <p:cNvPr id="2" name="Title 1">
             <a:extLst>
               <a:ext uri="{FF2B5EF4-FFF2-40B4-BE49-F238E27FC236}">
-                <a16:creationId xmlns:a16="http://schemas.microsoft.com/office/drawing/2014/main" id="{E0E11BF3-02E8-4EB7-818E-652B82CF2C9D}"/>
+                <a16:creationId xmlns:a16="http://schemas.microsoft.com/office/drawing/2014/main" xmlns="" id="{E0E11BF3-02E8-4EB7-818E-652B82CF2C9D}"/>
               </a:ext>
             </a:extLst>
           </p:cNvPr>
@@ -9259,7 +9260,7 @@
           <p:cNvPr id="3" name="Date Placeholder 2">
             <a:extLst>
               <a:ext uri="{FF2B5EF4-FFF2-40B4-BE49-F238E27FC236}">
-                <a16:creationId xmlns:a16="http://schemas.microsoft.com/office/drawing/2014/main" id="{254D3190-B78C-42F1-9D62-F523886BBE51}"/>
+                <a16:creationId xmlns:a16="http://schemas.microsoft.com/office/drawing/2014/main" xmlns="" id="{254D3190-B78C-42F1-9D62-F523886BBE51}"/>
               </a:ext>
             </a:extLst>
           </p:cNvPr>
@@ -9302,7 +9303,7 @@
           <p:cNvPr id="4" name="Footer Placeholder 3">
             <a:extLst>
               <a:ext uri="{FF2B5EF4-FFF2-40B4-BE49-F238E27FC236}">
-                <a16:creationId xmlns:a16="http://schemas.microsoft.com/office/drawing/2014/main" id="{EA381C40-F9FC-4D58-8508-F0632DF5A018}"/>
+                <a16:creationId xmlns:a16="http://schemas.microsoft.com/office/drawing/2014/main" xmlns="" id="{EA381C40-F9FC-4D58-8508-F0632DF5A018}"/>
               </a:ext>
             </a:extLst>
           </p:cNvPr>
@@ -9345,7 +9346,7 @@
           <p:cNvPr id="5" name="Slide Number Placeholder 4">
             <a:extLst>
               <a:ext uri="{FF2B5EF4-FFF2-40B4-BE49-F238E27FC236}">
-                <a16:creationId xmlns:a16="http://schemas.microsoft.com/office/drawing/2014/main" id="{2101CBCC-4CC2-49BD-B155-01E0F4D798BE}"/>
+                <a16:creationId xmlns:a16="http://schemas.microsoft.com/office/drawing/2014/main" xmlns="" id="{2101CBCC-4CC2-49BD-B155-01E0F4D798BE}"/>
               </a:ext>
             </a:extLst>
           </p:cNvPr>
@@ -9398,7 +9399,7 @@
           <p:cNvPr id="6" name="Freeform: Shape 5">
             <a:extLst>
               <a:ext uri="{FF2B5EF4-FFF2-40B4-BE49-F238E27FC236}">
-                <a16:creationId xmlns:a16="http://schemas.microsoft.com/office/drawing/2014/main" id="{DC13EF9C-0B5A-4364-91AA-E5DD5B536E54}"/>
+                <a16:creationId xmlns:a16="http://schemas.microsoft.com/office/drawing/2014/main" xmlns="" id="{DC13EF9C-0B5A-4364-91AA-E5DD5B536E54}"/>
               </a:ext>
             </a:extLst>
           </p:cNvPr>
@@ -9544,7 +9545,7 @@
           <p:cNvPr id="7" name="Freeform: Shape 6">
             <a:extLst>
               <a:ext uri="{FF2B5EF4-FFF2-40B4-BE49-F238E27FC236}">
-                <a16:creationId xmlns:a16="http://schemas.microsoft.com/office/drawing/2014/main" id="{8F674475-6327-490A-BD7F-084F5C07F2E4}"/>
+                <a16:creationId xmlns:a16="http://schemas.microsoft.com/office/drawing/2014/main" xmlns="" id="{8F674475-6327-490A-BD7F-084F5C07F2E4}"/>
               </a:ext>
             </a:extLst>
           </p:cNvPr>
@@ -9682,7 +9683,7 @@
           <p:cNvPr id="8" name="Content Placeholder 2">
             <a:extLst>
               <a:ext uri="{FF2B5EF4-FFF2-40B4-BE49-F238E27FC236}">
-                <a16:creationId xmlns:a16="http://schemas.microsoft.com/office/drawing/2014/main" id="{4753B078-30BA-4AB9-A020-EE8D9404B69E}"/>
+                <a16:creationId xmlns:a16="http://schemas.microsoft.com/office/drawing/2014/main" xmlns="" id="{4753B078-30BA-4AB9-A020-EE8D9404B69E}"/>
               </a:ext>
             </a:extLst>
           </p:cNvPr>
@@ -9782,7 +9783,7 @@
           <p:cNvPr id="6" name="Picture Placeholder 5">
             <a:extLst>
               <a:ext uri="{FF2B5EF4-FFF2-40B4-BE49-F238E27FC236}">
-                <a16:creationId xmlns:a16="http://schemas.microsoft.com/office/drawing/2014/main" id="{63E3FD7E-C80A-4707-A8E9-4134DF91F3FF}"/>
+                <a16:creationId xmlns:a16="http://schemas.microsoft.com/office/drawing/2014/main" xmlns="" id="{63E3FD7E-C80A-4707-A8E9-4134DF91F3FF}"/>
               </a:ext>
             </a:extLst>
           </p:cNvPr>
@@ -9825,7 +9826,7 @@
           <p:cNvPr id="10" name="Title 9">
             <a:extLst>
               <a:ext uri="{FF2B5EF4-FFF2-40B4-BE49-F238E27FC236}">
-                <a16:creationId xmlns:a16="http://schemas.microsoft.com/office/drawing/2014/main" id="{10EC23F5-CD2E-4207-A4E6-73BDFF74D868}"/>
+                <a16:creationId xmlns:a16="http://schemas.microsoft.com/office/drawing/2014/main" xmlns="" id="{10EC23F5-CD2E-4207-A4E6-73BDFF74D868}"/>
               </a:ext>
             </a:extLst>
           </p:cNvPr>
@@ -9936,7 +9937,7 @@
           <p:cNvPr id="3" name="Text Placeholder 2">
             <a:extLst>
               <a:ext uri="{FF2B5EF4-FFF2-40B4-BE49-F238E27FC236}">
-                <a16:creationId xmlns:a16="http://schemas.microsoft.com/office/drawing/2014/main" id="{9E1462C4-0E4B-4DB7-A8BF-FE55142760AF}"/>
+                <a16:creationId xmlns:a16="http://schemas.microsoft.com/office/drawing/2014/main" xmlns="" id="{9E1462C4-0E4B-4DB7-A8BF-FE55142760AF}"/>
               </a:ext>
             </a:extLst>
           </p:cNvPr>
@@ -10059,7 +10060,7 @@
           <p:cNvPr id="11" name="Date Placeholder 10">
             <a:extLst>
               <a:ext uri="{FF2B5EF4-FFF2-40B4-BE49-F238E27FC236}">
-                <a16:creationId xmlns:a16="http://schemas.microsoft.com/office/drawing/2014/main" id="{6B76FE53-FB67-4871-8485-71BAAFD7D1BF}"/>
+                <a16:creationId xmlns:a16="http://schemas.microsoft.com/office/drawing/2014/main" xmlns="" id="{6B76FE53-FB67-4871-8485-71BAAFD7D1BF}"/>
               </a:ext>
             </a:extLst>
           </p:cNvPr>
@@ -10099,7 +10100,7 @@
           <p:cNvPr id="12" name="Footer Placeholder 11">
             <a:extLst>
               <a:ext uri="{FF2B5EF4-FFF2-40B4-BE49-F238E27FC236}">
-                <a16:creationId xmlns:a16="http://schemas.microsoft.com/office/drawing/2014/main" id="{AD26FED4-1CE2-444B-A77E-EB3CB505AF19}"/>
+                <a16:creationId xmlns:a16="http://schemas.microsoft.com/office/drawing/2014/main" xmlns="" id="{AD26FED4-1CE2-444B-A77E-EB3CB505AF19}"/>
               </a:ext>
             </a:extLst>
           </p:cNvPr>
@@ -10139,7 +10140,7 @@
           <p:cNvPr id="13" name="Slide Number Placeholder 12">
             <a:extLst>
               <a:ext uri="{FF2B5EF4-FFF2-40B4-BE49-F238E27FC236}">
-                <a16:creationId xmlns:a16="http://schemas.microsoft.com/office/drawing/2014/main" id="{28FD25AA-10CC-48D8-9577-257871107B9A}"/>
+                <a16:creationId xmlns:a16="http://schemas.microsoft.com/office/drawing/2014/main" xmlns="" id="{28FD25AA-10CC-48D8-9577-257871107B9A}"/>
               </a:ext>
             </a:extLst>
           </p:cNvPr>
@@ -10213,7 +10214,7 @@
           <p:cNvPr id="2" name="Title 1">
             <a:extLst>
               <a:ext uri="{FF2B5EF4-FFF2-40B4-BE49-F238E27FC236}">
-                <a16:creationId xmlns:a16="http://schemas.microsoft.com/office/drawing/2014/main" id="{57ABFD05-2CB2-4A7E-89E7-57615BA82B4F}"/>
+                <a16:creationId xmlns:a16="http://schemas.microsoft.com/office/drawing/2014/main" xmlns="" id="{57ABFD05-2CB2-4A7E-89E7-57615BA82B4F}"/>
               </a:ext>
             </a:extLst>
           </p:cNvPr>
@@ -10241,7 +10242,7 @@
           <p:cNvPr id="3" name="Content Placeholder 2">
             <a:extLst>
               <a:ext uri="{FF2B5EF4-FFF2-40B4-BE49-F238E27FC236}">
-                <a16:creationId xmlns:a16="http://schemas.microsoft.com/office/drawing/2014/main" id="{3F9532B8-D460-476D-816F-725E8D96C0A4}"/>
+                <a16:creationId xmlns:a16="http://schemas.microsoft.com/office/drawing/2014/main" xmlns="" id="{3F9532B8-D460-476D-816F-725E8D96C0A4}"/>
               </a:ext>
             </a:extLst>
           </p:cNvPr>
@@ -10303,7 +10304,7 @@
           <p:cNvPr id="4" name="Content Placeholder 3">
             <a:extLst>
               <a:ext uri="{FF2B5EF4-FFF2-40B4-BE49-F238E27FC236}">
-                <a16:creationId xmlns:a16="http://schemas.microsoft.com/office/drawing/2014/main" id="{26F7120F-70AF-4ED5-B364-3AA55C6B44B6}"/>
+                <a16:creationId xmlns:a16="http://schemas.microsoft.com/office/drawing/2014/main" xmlns="" id="{26F7120F-70AF-4ED5-B364-3AA55C6B44B6}"/>
               </a:ext>
             </a:extLst>
           </p:cNvPr>
@@ -10365,7 +10366,7 @@
           <p:cNvPr id="5" name="Date Placeholder 4">
             <a:extLst>
               <a:ext uri="{FF2B5EF4-FFF2-40B4-BE49-F238E27FC236}">
-                <a16:creationId xmlns:a16="http://schemas.microsoft.com/office/drawing/2014/main" id="{63D8B65F-F709-469F-9961-4D01896CAA12}"/>
+                <a16:creationId xmlns:a16="http://schemas.microsoft.com/office/drawing/2014/main" xmlns="" id="{63D8B65F-F709-469F-9961-4D01896CAA12}"/>
               </a:ext>
             </a:extLst>
           </p:cNvPr>
@@ -10408,7 +10409,7 @@
           <p:cNvPr id="6" name="Footer Placeholder 5">
             <a:extLst>
               <a:ext uri="{FF2B5EF4-FFF2-40B4-BE49-F238E27FC236}">
-                <a16:creationId xmlns:a16="http://schemas.microsoft.com/office/drawing/2014/main" id="{B781C6BC-B23D-48BC-AD44-654DDB8D0122}"/>
+                <a16:creationId xmlns:a16="http://schemas.microsoft.com/office/drawing/2014/main" xmlns="" id="{B781C6BC-B23D-48BC-AD44-654DDB8D0122}"/>
               </a:ext>
             </a:extLst>
           </p:cNvPr>
@@ -10451,7 +10452,7 @@
           <p:cNvPr id="7" name="Slide Number Placeholder 6">
             <a:extLst>
               <a:ext uri="{FF2B5EF4-FFF2-40B4-BE49-F238E27FC236}">
-                <a16:creationId xmlns:a16="http://schemas.microsoft.com/office/drawing/2014/main" id="{6100D60B-86A1-479D-BCE8-06D2C3DBC94E}"/>
+                <a16:creationId xmlns:a16="http://schemas.microsoft.com/office/drawing/2014/main" xmlns="" id="{6100D60B-86A1-479D-BCE8-06D2C3DBC94E}"/>
               </a:ext>
             </a:extLst>
           </p:cNvPr>
@@ -10504,7 +10505,7 @@
           <p:cNvPr id="8" name="Freeform: Shape 7">
             <a:extLst>
               <a:ext uri="{FF2B5EF4-FFF2-40B4-BE49-F238E27FC236}">
-                <a16:creationId xmlns:a16="http://schemas.microsoft.com/office/drawing/2014/main" id="{B4EC5136-99DA-40B5-8F79-5C3A56D38BA1}"/>
+                <a16:creationId xmlns:a16="http://schemas.microsoft.com/office/drawing/2014/main" xmlns="" id="{B4EC5136-99DA-40B5-8F79-5C3A56D38BA1}"/>
               </a:ext>
             </a:extLst>
           </p:cNvPr>
@@ -10650,7 +10651,7 @@
           <p:cNvPr id="9" name="Freeform: Shape 8">
             <a:extLst>
               <a:ext uri="{FF2B5EF4-FFF2-40B4-BE49-F238E27FC236}">
-                <a16:creationId xmlns:a16="http://schemas.microsoft.com/office/drawing/2014/main" id="{4F8FB775-26C4-41BA-837C-4478D48D2157}"/>
+                <a16:creationId xmlns:a16="http://schemas.microsoft.com/office/drawing/2014/main" xmlns="" id="{4F8FB775-26C4-41BA-837C-4478D48D2157}"/>
               </a:ext>
             </a:extLst>
           </p:cNvPr>
@@ -10818,7 +10819,7 @@
           <p:cNvPr id="2" name="Title 1">
             <a:extLst>
               <a:ext uri="{FF2B5EF4-FFF2-40B4-BE49-F238E27FC236}">
-                <a16:creationId xmlns:a16="http://schemas.microsoft.com/office/drawing/2014/main" id="{1092983E-E761-4429-9203-7FE8B2DB67E4}"/>
+                <a16:creationId xmlns:a16="http://schemas.microsoft.com/office/drawing/2014/main" xmlns="" id="{1092983E-E761-4429-9203-7FE8B2DB67E4}"/>
               </a:ext>
             </a:extLst>
           </p:cNvPr>
@@ -10851,7 +10852,7 @@
           <p:cNvPr id="3" name="Text Placeholder 2">
             <a:extLst>
               <a:ext uri="{FF2B5EF4-FFF2-40B4-BE49-F238E27FC236}">
-                <a16:creationId xmlns:a16="http://schemas.microsoft.com/office/drawing/2014/main" id="{B921E9B7-62BE-49BA-AC6B-55250D66277F}"/>
+                <a16:creationId xmlns:a16="http://schemas.microsoft.com/office/drawing/2014/main" xmlns="" id="{B921E9B7-62BE-49BA-AC6B-55250D66277F}"/>
               </a:ext>
             </a:extLst>
           </p:cNvPr>
@@ -10922,7 +10923,7 @@
           <p:cNvPr id="4" name="Content Placeholder 3">
             <a:extLst>
               <a:ext uri="{FF2B5EF4-FFF2-40B4-BE49-F238E27FC236}">
-                <a16:creationId xmlns:a16="http://schemas.microsoft.com/office/drawing/2014/main" id="{BC41A3FD-B90A-4C31-BD6B-581F9E2E0E5E}"/>
+                <a16:creationId xmlns:a16="http://schemas.microsoft.com/office/drawing/2014/main" xmlns="" id="{BC41A3FD-B90A-4C31-BD6B-581F9E2E0E5E}"/>
               </a:ext>
             </a:extLst>
           </p:cNvPr>
@@ -11003,7 +11004,7 @@
           <p:cNvPr id="5" name="Text Placeholder 4">
             <a:extLst>
               <a:ext uri="{FF2B5EF4-FFF2-40B4-BE49-F238E27FC236}">
-                <a16:creationId xmlns:a16="http://schemas.microsoft.com/office/drawing/2014/main" id="{060D1D55-B722-4968-B171-AF3B462DDAD8}"/>
+                <a16:creationId xmlns:a16="http://schemas.microsoft.com/office/drawing/2014/main" xmlns="" id="{060D1D55-B722-4968-B171-AF3B462DDAD8}"/>
               </a:ext>
             </a:extLst>
           </p:cNvPr>
@@ -11074,7 +11075,7 @@
           <p:cNvPr id="6" name="Content Placeholder 5">
             <a:extLst>
               <a:ext uri="{FF2B5EF4-FFF2-40B4-BE49-F238E27FC236}">
-                <a16:creationId xmlns:a16="http://schemas.microsoft.com/office/drawing/2014/main" id="{D71085A8-02C2-4E7F-935E-5AEECBAD19BE}"/>
+                <a16:creationId xmlns:a16="http://schemas.microsoft.com/office/drawing/2014/main" xmlns="" id="{D71085A8-02C2-4E7F-935E-5AEECBAD19BE}"/>
               </a:ext>
             </a:extLst>
           </p:cNvPr>
@@ -11155,7 +11156,7 @@
           <p:cNvPr id="7" name="Date Placeholder 6">
             <a:extLst>
               <a:ext uri="{FF2B5EF4-FFF2-40B4-BE49-F238E27FC236}">
-                <a16:creationId xmlns:a16="http://schemas.microsoft.com/office/drawing/2014/main" id="{9A8A5018-8A77-40E8-B159-4894ECF228B1}"/>
+                <a16:creationId xmlns:a16="http://schemas.microsoft.com/office/drawing/2014/main" xmlns="" id="{9A8A5018-8A77-40E8-B159-4894ECF228B1}"/>
               </a:ext>
             </a:extLst>
           </p:cNvPr>
@@ -11198,7 +11199,7 @@
           <p:cNvPr id="8" name="Footer Placeholder 7">
             <a:extLst>
               <a:ext uri="{FF2B5EF4-FFF2-40B4-BE49-F238E27FC236}">
-                <a16:creationId xmlns:a16="http://schemas.microsoft.com/office/drawing/2014/main" id="{8AD79441-8908-4461-9FDD-BCE638837098}"/>
+                <a16:creationId xmlns:a16="http://schemas.microsoft.com/office/drawing/2014/main" xmlns="" id="{8AD79441-8908-4461-9FDD-BCE638837098}"/>
               </a:ext>
             </a:extLst>
           </p:cNvPr>
@@ -11241,7 +11242,7 @@
           <p:cNvPr id="9" name="Slide Number Placeholder 8">
             <a:extLst>
               <a:ext uri="{FF2B5EF4-FFF2-40B4-BE49-F238E27FC236}">
-                <a16:creationId xmlns:a16="http://schemas.microsoft.com/office/drawing/2014/main" id="{C8D29F7D-B101-4950-A2C0-F350FB26D45F}"/>
+                <a16:creationId xmlns:a16="http://schemas.microsoft.com/office/drawing/2014/main" xmlns="" id="{C8D29F7D-B101-4950-A2C0-F350FB26D45F}"/>
               </a:ext>
             </a:extLst>
           </p:cNvPr>
@@ -11294,7 +11295,7 @@
           <p:cNvPr id="10" name="Freeform: Shape 9">
             <a:extLst>
               <a:ext uri="{FF2B5EF4-FFF2-40B4-BE49-F238E27FC236}">
-                <a16:creationId xmlns:a16="http://schemas.microsoft.com/office/drawing/2014/main" id="{862D7398-9A79-4B24-9C7D-F0DEED57C70B}"/>
+                <a16:creationId xmlns:a16="http://schemas.microsoft.com/office/drawing/2014/main" xmlns="" id="{862D7398-9A79-4B24-9C7D-F0DEED57C70B}"/>
               </a:ext>
             </a:extLst>
           </p:cNvPr>
@@ -11440,7 +11441,7 @@
           <p:cNvPr id="11" name="Freeform: Shape 10">
             <a:extLst>
               <a:ext uri="{FF2B5EF4-FFF2-40B4-BE49-F238E27FC236}">
-                <a16:creationId xmlns:a16="http://schemas.microsoft.com/office/drawing/2014/main" id="{C07F28CD-1873-4E36-A064-2D25E0A85017}"/>
+                <a16:creationId xmlns:a16="http://schemas.microsoft.com/office/drawing/2014/main" xmlns="" id="{C07F28CD-1873-4E36-A064-2D25E0A85017}"/>
               </a:ext>
             </a:extLst>
           </p:cNvPr>
@@ -11613,7 +11614,7 @@
           <p:cNvPr id="2" name="Title Placeholder 1">
             <a:extLst>
               <a:ext uri="{FF2B5EF4-FFF2-40B4-BE49-F238E27FC236}">
-                <a16:creationId xmlns:a16="http://schemas.microsoft.com/office/drawing/2014/main" id="{17EC5685-19F1-49DA-ADE5-D5D32F1659B0}"/>
+                <a16:creationId xmlns:a16="http://schemas.microsoft.com/office/drawing/2014/main" xmlns="" id="{17EC5685-19F1-49DA-ADE5-D5D32F1659B0}"/>
               </a:ext>
             </a:extLst>
           </p:cNvPr>
@@ -11651,7 +11652,7 @@
           <p:cNvPr id="3" name="Text Placeholder 2">
             <a:extLst>
               <a:ext uri="{FF2B5EF4-FFF2-40B4-BE49-F238E27FC236}">
-                <a16:creationId xmlns:a16="http://schemas.microsoft.com/office/drawing/2014/main" id="{AFFC0A4D-22A1-4554-B5DE-887974F4DF90}"/>
+                <a16:creationId xmlns:a16="http://schemas.microsoft.com/office/drawing/2014/main" xmlns="" id="{AFFC0A4D-22A1-4554-B5DE-887974F4DF90}"/>
               </a:ext>
             </a:extLst>
           </p:cNvPr>
@@ -11718,7 +11719,7 @@
           <p:cNvPr id="4" name="Date Placeholder 3">
             <a:extLst>
               <a:ext uri="{FF2B5EF4-FFF2-40B4-BE49-F238E27FC236}">
-                <a16:creationId xmlns:a16="http://schemas.microsoft.com/office/drawing/2014/main" id="{E99D5CDC-F2CE-410E-AD13-DDC235C71C6F}"/>
+                <a16:creationId xmlns:a16="http://schemas.microsoft.com/office/drawing/2014/main" xmlns="" id="{E99D5CDC-F2CE-410E-AD13-DDC235C71C6F}"/>
               </a:ext>
             </a:extLst>
           </p:cNvPr>
@@ -11774,7 +11775,7 @@
           <p:cNvPr id="5" name="Footer Placeholder 4">
             <a:extLst>
               <a:ext uri="{FF2B5EF4-FFF2-40B4-BE49-F238E27FC236}">
-                <a16:creationId xmlns:a16="http://schemas.microsoft.com/office/drawing/2014/main" id="{9340CD45-794A-4BB0-A427-0CE61AEAF484}"/>
+                <a16:creationId xmlns:a16="http://schemas.microsoft.com/office/drawing/2014/main" xmlns="" id="{9340CD45-794A-4BB0-A427-0CE61AEAF484}"/>
               </a:ext>
             </a:extLst>
           </p:cNvPr>
@@ -11830,7 +11831,7 @@
           <p:cNvPr id="6" name="Slide Number Placeholder 5">
             <a:extLst>
               <a:ext uri="{FF2B5EF4-FFF2-40B4-BE49-F238E27FC236}">
-                <a16:creationId xmlns:a16="http://schemas.microsoft.com/office/drawing/2014/main" id="{FCB3AB91-9588-4071-92D2-364F4A6ED092}"/>
+                <a16:creationId xmlns:a16="http://schemas.microsoft.com/office/drawing/2014/main" xmlns="" id="{FCB3AB91-9588-4071-92D2-364F4A6ED092}"/>
               </a:ext>
             </a:extLst>
           </p:cNvPr>
@@ -12223,7 +12224,7 @@
           <p:cNvPr id="2" name="Title 1">
             <a:extLst>
               <a:ext uri="{FF2B5EF4-FFF2-40B4-BE49-F238E27FC236}">
-                <a16:creationId xmlns:a16="http://schemas.microsoft.com/office/drawing/2014/main" id="{28B08836-40C5-46C2-81BA-21AA27176925}"/>
+                <a16:creationId xmlns:a16="http://schemas.microsoft.com/office/drawing/2014/main" xmlns="" id="{28B08836-40C5-46C2-81BA-21AA27176925}"/>
               </a:ext>
             </a:extLst>
           </p:cNvPr>
@@ -12248,6 +12249,14 @@
                 </a:solidFill>
               </a:rPr>
               <a:t>TCP-Adaptive Reno</a:t>
+            </a:r>
+            <a:r>
+              <a:rPr lang="en-GB" sz="4400" dirty="0">
+                <a:solidFill>
+                  <a:srgbClr val="FFFFFF"/>
+                </a:solidFill>
+              </a:rPr>
+              <a:t/>
             </a:r>
             <a:br>
               <a:rPr lang="en-GB" sz="4400" dirty="0">
@@ -12273,7 +12282,7 @@
           <p:cNvPr id="3" name="Subtitle 2">
             <a:extLst>
               <a:ext uri="{FF2B5EF4-FFF2-40B4-BE49-F238E27FC236}">
-                <a16:creationId xmlns:a16="http://schemas.microsoft.com/office/drawing/2014/main" id="{72CC4EC4-809C-4FD2-AA20-009F08590DA6}"/>
+                <a16:creationId xmlns:a16="http://schemas.microsoft.com/office/drawing/2014/main" xmlns="" id="{72CC4EC4-809C-4FD2-AA20-009F08590DA6}"/>
               </a:ext>
             </a:extLst>
           </p:cNvPr>
@@ -12317,6 +12326,137 @@
     <p:extLst>
       <p:ext uri="{BB962C8B-B14F-4D97-AF65-F5344CB8AC3E}">
         <p14:creationId xmlns:p14="http://schemas.microsoft.com/office/powerpoint/2010/main" val="800962904"/>
+      </p:ext>
+    </p:extLst>
+  </p:cSld>
+  <p:clrMapOvr>
+    <a:masterClrMapping/>
+  </p:clrMapOvr>
+</p:sld>
+</file>
+
+<file path=ppt/slides/slide10.xml><?xml version="1.0" encoding="utf-8"?>
+<p:sld xmlns:a="http://schemas.openxmlformats.org/drawingml/2006/main" xmlns:r="http://schemas.openxmlformats.org/officeDocument/2006/relationships" xmlns:p="http://schemas.openxmlformats.org/presentationml/2006/main">
+  <p:cSld>
+    <p:spTree>
+      <p:nvGrpSpPr>
+        <p:cNvPr id="1" name=""/>
+        <p:cNvGrpSpPr/>
+        <p:nvPr/>
+      </p:nvGrpSpPr>
+      <p:grpSpPr>
+        <a:xfrm>
+          <a:off x="0" y="0"/>
+          <a:ext cx="0" cy="0"/>
+          <a:chOff x="0" y="0"/>
+          <a:chExt cx="0" cy="0"/>
+        </a:xfrm>
+      </p:grpSpPr>
+      <p:sp>
+        <p:nvSpPr>
+          <p:cNvPr id="2" name="Title 1">
+            <a:extLst>
+              <a:ext uri="{FF2B5EF4-FFF2-40B4-BE49-F238E27FC236}">
+                <a16:creationId xmlns:a16="http://schemas.microsoft.com/office/drawing/2014/main" xmlns="" id="{659706C9-F26D-46CA-93BF-8C27012F6B12}"/>
+              </a:ext>
+            </a:extLst>
+          </p:cNvPr>
+          <p:cNvSpPr>
+            <a:spLocks noGrp="1"/>
+          </p:cNvSpPr>
+          <p:nvPr>
+            <p:ph type="title"/>
+          </p:nvPr>
+        </p:nvSpPr>
+        <p:spPr/>
+        <p:txBody>
+          <a:bodyPr/>
+          <a:lstStyle/>
+          <a:p>
+            <a:r>
+              <a:rPr lang="en-US" dirty="0"/>
+              <a:t>Thank you</a:t>
+            </a:r>
+          </a:p>
+        </p:txBody>
+      </p:sp>
+      <p:sp>
+        <p:nvSpPr>
+          <p:cNvPr id="6" name="Slide Number Placeholder 5">
+            <a:extLst>
+              <a:ext uri="{FF2B5EF4-FFF2-40B4-BE49-F238E27FC236}">
+                <a16:creationId xmlns:a16="http://schemas.microsoft.com/office/drawing/2014/main" xmlns="" id="{7359025F-68D1-4F50-8480-3F981455D4DE}"/>
+              </a:ext>
+            </a:extLst>
+          </p:cNvPr>
+          <p:cNvSpPr>
+            <a:spLocks noGrp="1"/>
+          </p:cNvSpPr>
+          <p:nvPr>
+            <p:ph type="sldNum" sz="quarter" idx="12"/>
+          </p:nvPr>
+        </p:nvSpPr>
+        <p:spPr/>
+        <p:txBody>
+          <a:bodyPr/>
+          <a:lstStyle/>
+          <a:p>
+            <a:pPr lvl="0"/>
+            <a:fld id="{D76B855D-E9CC-4FF8-AD85-6CDC7B89A0DE}" type="slidenum">
+              <a:rPr lang="en-US" noProof="0" smtClean="0"/>
+              <a:pPr lvl="0"/>
+              <a:t>10</a:t>
+            </a:fld>
+            <a:endParaRPr lang="en-US" noProof="0" dirty="0"/>
+          </a:p>
+        </p:txBody>
+      </p:sp>
+      <p:sp>
+        <p:nvSpPr>
+          <p:cNvPr id="3" name="Content Placeholder 2">
+            <a:extLst>
+              <a:ext uri="{FF2B5EF4-FFF2-40B4-BE49-F238E27FC236}">
+                <a16:creationId xmlns:a16="http://schemas.microsoft.com/office/drawing/2014/main" xmlns="" id="{21F0B6E0-1F7C-4E6A-87B1-554ADE739CD1}"/>
+              </a:ext>
+            </a:extLst>
+          </p:cNvPr>
+          <p:cNvSpPr>
+            <a:spLocks noGrp="1"/>
+          </p:cNvSpPr>
+          <p:nvPr>
+            <p:ph idx="1"/>
+          </p:nvPr>
+        </p:nvSpPr>
+        <p:spPr/>
+        <p:txBody>
+          <a:bodyPr/>
+          <a:lstStyle/>
+          <a:p>
+            <a:r>
+              <a:rPr lang="en-US" dirty="0"/>
+              <a:t>Md. Nazmul Islam Ananto</a:t>
+            </a:r>
+          </a:p>
+          <a:p>
+            <a:pPr>
+              <a:spcBef>
+                <a:spcPts val="3000"/>
+              </a:spcBef>
+            </a:pPr>
+            <a:r>
+              <a:rPr lang="en-US" sz="1800" dirty="0"/>
+              <a:t>1805093</a:t>
+            </a:r>
+          </a:p>
+          <a:p>
+            <a:endParaRPr lang="en-US" dirty="0"/>
+          </a:p>
+        </p:txBody>
+      </p:sp>
+    </p:spTree>
+    <p:extLst>
+      <p:ext uri="{BB962C8B-B14F-4D97-AF65-F5344CB8AC3E}">
+        <p14:creationId xmlns:p14="http://schemas.microsoft.com/office/powerpoint/2010/main" val="962258905"/>
       </p:ext>
     </p:extLst>
   </p:cSld>
@@ -12348,7 +12488,7 @@
           <p:cNvPr id="8" name="Slide Number Placeholder 7">
             <a:extLst>
               <a:ext uri="{FF2B5EF4-FFF2-40B4-BE49-F238E27FC236}">
-                <a16:creationId xmlns:a16="http://schemas.microsoft.com/office/drawing/2014/main" id="{A8C87077-3DA0-43A0-9187-E1AACEF316C0}"/>
+                <a16:creationId xmlns:a16="http://schemas.microsoft.com/office/drawing/2014/main" xmlns="" id="{A8C87077-3DA0-43A0-9187-E1AACEF316C0}"/>
               </a:ext>
             </a:extLst>
           </p:cNvPr>
@@ -12441,7 +12581,7 @@
           <p:cNvPr id="12" name="Content Placeholder 11">
             <a:extLst>
               <a:ext uri="{FF2B5EF4-FFF2-40B4-BE49-F238E27FC236}">
-                <a16:creationId xmlns:a16="http://schemas.microsoft.com/office/drawing/2014/main" id="{2A6953DD-FC30-17B1-4C4F-05782CD1C7B9}"/>
+                <a16:creationId xmlns:a16="http://schemas.microsoft.com/office/drawing/2014/main" xmlns="" id="{2A6953DD-FC30-17B1-4C4F-05782CD1C7B9}"/>
               </a:ext>
             </a:extLst>
           </p:cNvPr>
@@ -12470,7 +12610,7 @@
           <p:cNvPr id="13" name="Date Placeholder 3">
             <a:extLst>
               <a:ext uri="{FF2B5EF4-FFF2-40B4-BE49-F238E27FC236}">
-                <a16:creationId xmlns:a16="http://schemas.microsoft.com/office/drawing/2014/main" id="{F2BBE7A8-546B-D608-C66D-E1B2A6B9DFC7}"/>
+                <a16:creationId xmlns:a16="http://schemas.microsoft.com/office/drawing/2014/main" xmlns="" id="{F2BBE7A8-546B-D608-C66D-E1B2A6B9DFC7}"/>
               </a:ext>
             </a:extLst>
           </p:cNvPr>
@@ -12535,7 +12675,7 @@
           <p:cNvPr id="14" name="Footer Placeholder 4">
             <a:extLst>
               <a:ext uri="{FF2B5EF4-FFF2-40B4-BE49-F238E27FC236}">
-                <a16:creationId xmlns:a16="http://schemas.microsoft.com/office/drawing/2014/main" id="{9BA64C4A-E6B0-2C8F-0735-3C6673953557}"/>
+                <a16:creationId xmlns:a16="http://schemas.microsoft.com/office/drawing/2014/main" xmlns="" id="{9BA64C4A-E6B0-2C8F-0735-3C6673953557}"/>
               </a:ext>
             </a:extLst>
           </p:cNvPr>
@@ -12630,7 +12770,7 @@
           <p:cNvPr id="2" name="Title 1">
             <a:extLst>
               <a:ext uri="{FF2B5EF4-FFF2-40B4-BE49-F238E27FC236}">
-                <a16:creationId xmlns:a16="http://schemas.microsoft.com/office/drawing/2014/main" id="{1836E49C-11A0-4C95-8A6E-FC7E9C57C105}"/>
+                <a16:creationId xmlns:a16="http://schemas.microsoft.com/office/drawing/2014/main" xmlns="" id="{1836E49C-11A0-4C95-8A6E-FC7E9C57C105}"/>
               </a:ext>
             </a:extLst>
           </p:cNvPr>
@@ -12663,7 +12803,7 @@
           <p:cNvPr id="3" name="Content Placeholder 2">
             <a:extLst>
               <a:ext uri="{FF2B5EF4-FFF2-40B4-BE49-F238E27FC236}">
-                <a16:creationId xmlns:a16="http://schemas.microsoft.com/office/drawing/2014/main" id="{869C3FD2-AF88-4EF1-AFB7-5D31BD5AA0BF}"/>
+                <a16:creationId xmlns:a16="http://schemas.microsoft.com/office/drawing/2014/main" xmlns="" id="{869C3FD2-AF88-4EF1-AFB7-5D31BD5AA0BF}"/>
               </a:ext>
             </a:extLst>
           </p:cNvPr>
@@ -12705,7 +12845,7 @@
           <p:cNvPr id="4" name="Date Placeholder 3">
             <a:extLst>
               <a:ext uri="{FF2B5EF4-FFF2-40B4-BE49-F238E27FC236}">
-                <a16:creationId xmlns:a16="http://schemas.microsoft.com/office/drawing/2014/main" id="{78C8B647-084C-492D-A242-148BEA5B6823}"/>
+                <a16:creationId xmlns:a16="http://schemas.microsoft.com/office/drawing/2014/main" xmlns="" id="{78C8B647-084C-492D-A242-148BEA5B6823}"/>
               </a:ext>
             </a:extLst>
           </p:cNvPr>
@@ -12765,7 +12905,7 @@
           <p:cNvPr id="5" name="Footer Placeholder 4">
             <a:extLst>
               <a:ext uri="{FF2B5EF4-FFF2-40B4-BE49-F238E27FC236}">
-                <a16:creationId xmlns:a16="http://schemas.microsoft.com/office/drawing/2014/main" id="{A4A2B84E-2163-44C1-99D0-6F162AEA82E9}"/>
+                <a16:creationId xmlns:a16="http://schemas.microsoft.com/office/drawing/2014/main" xmlns="" id="{A4A2B84E-2163-44C1-99D0-6F162AEA82E9}"/>
               </a:ext>
             </a:extLst>
           </p:cNvPr>
@@ -12825,7 +12965,7 @@
           <p:cNvPr id="6" name="Slide Number Placeholder 5">
             <a:extLst>
               <a:ext uri="{FF2B5EF4-FFF2-40B4-BE49-F238E27FC236}">
-                <a16:creationId xmlns:a16="http://schemas.microsoft.com/office/drawing/2014/main" id="{88AB1A36-2D6E-4392-AAA4-996FFE03208D}"/>
+                <a16:creationId xmlns:a16="http://schemas.microsoft.com/office/drawing/2014/main" xmlns="" id="{88AB1A36-2D6E-4392-AAA4-996FFE03208D}"/>
               </a:ext>
             </a:extLst>
           </p:cNvPr>
@@ -12948,7 +13088,7 @@
           <p:cNvPr id="4" name="Title 3">
             <a:extLst>
               <a:ext uri="{FF2B5EF4-FFF2-40B4-BE49-F238E27FC236}">
-                <a16:creationId xmlns:a16="http://schemas.microsoft.com/office/drawing/2014/main" id="{7B290457-2071-4F7C-9327-CE85A282B4D5}"/>
+                <a16:creationId xmlns:a16="http://schemas.microsoft.com/office/drawing/2014/main" xmlns="" id="{7B290457-2071-4F7C-9327-CE85A282B4D5}"/>
               </a:ext>
             </a:extLst>
           </p:cNvPr>
@@ -12976,7 +13116,7 @@
           <p:cNvPr id="5" name="Content Placeholder 4">
             <a:extLst>
               <a:ext uri="{FF2B5EF4-FFF2-40B4-BE49-F238E27FC236}">
-                <a16:creationId xmlns:a16="http://schemas.microsoft.com/office/drawing/2014/main" id="{B67B1E24-2840-4BB0-AE5A-2320A01CB80F}"/>
+                <a16:creationId xmlns:a16="http://schemas.microsoft.com/office/drawing/2014/main" xmlns="" id="{B67B1E24-2840-4BB0-AE5A-2320A01CB80F}"/>
               </a:ext>
             </a:extLst>
           </p:cNvPr>
@@ -13005,7 +13145,7 @@
           <p:cNvPr id="16" name="Slide Number Placeholder 15">
             <a:extLst>
               <a:ext uri="{FF2B5EF4-FFF2-40B4-BE49-F238E27FC236}">
-                <a16:creationId xmlns:a16="http://schemas.microsoft.com/office/drawing/2014/main" id="{46EEA4F1-5FA3-4EBF-97F1-DF392077DB76}"/>
+                <a16:creationId xmlns:a16="http://schemas.microsoft.com/office/drawing/2014/main" xmlns="" id="{46EEA4F1-5FA3-4EBF-97F1-DF392077DB76}"/>
               </a:ext>
             </a:extLst>
           </p:cNvPr>
@@ -13098,7 +13238,7 @@
           <p:cNvPr id="2" name="Date Placeholder 3">
             <a:extLst>
               <a:ext uri="{FF2B5EF4-FFF2-40B4-BE49-F238E27FC236}">
-                <a16:creationId xmlns:a16="http://schemas.microsoft.com/office/drawing/2014/main" id="{2B5E3896-21A0-2013-FB68-047053006B0C}"/>
+                <a16:creationId xmlns:a16="http://schemas.microsoft.com/office/drawing/2014/main" xmlns="" id="{2B5E3896-21A0-2013-FB68-047053006B0C}"/>
               </a:ext>
             </a:extLst>
           </p:cNvPr>
@@ -13163,7 +13303,7 @@
           <p:cNvPr id="3" name="Footer Placeholder 4">
             <a:extLst>
               <a:ext uri="{FF2B5EF4-FFF2-40B4-BE49-F238E27FC236}">
-                <a16:creationId xmlns:a16="http://schemas.microsoft.com/office/drawing/2014/main" id="{AEEE5882-3D2B-A830-9559-6D0E2F004435}"/>
+                <a16:creationId xmlns:a16="http://schemas.microsoft.com/office/drawing/2014/main" xmlns="" id="{AEEE5882-3D2B-A830-9559-6D0E2F004435}"/>
               </a:ext>
             </a:extLst>
           </p:cNvPr>
@@ -13258,7 +13398,7 @@
           <p:cNvPr id="4" name="Title 3">
             <a:extLst>
               <a:ext uri="{FF2B5EF4-FFF2-40B4-BE49-F238E27FC236}">
-                <a16:creationId xmlns:a16="http://schemas.microsoft.com/office/drawing/2014/main" id="{7B290457-2071-4F7C-9327-CE85A282B4D5}"/>
+                <a16:creationId xmlns:a16="http://schemas.microsoft.com/office/drawing/2014/main" xmlns="" id="{7B290457-2071-4F7C-9327-CE85A282B4D5}"/>
               </a:ext>
             </a:extLst>
           </p:cNvPr>
@@ -13286,7 +13426,7 @@
           <p:cNvPr id="5" name="Content Placeholder 4">
             <a:extLst>
               <a:ext uri="{FF2B5EF4-FFF2-40B4-BE49-F238E27FC236}">
-                <a16:creationId xmlns:a16="http://schemas.microsoft.com/office/drawing/2014/main" id="{B67B1E24-2840-4BB0-AE5A-2320A01CB80F}"/>
+                <a16:creationId xmlns:a16="http://schemas.microsoft.com/office/drawing/2014/main" xmlns="" id="{B67B1E24-2840-4BB0-AE5A-2320A01CB80F}"/>
               </a:ext>
             </a:extLst>
           </p:cNvPr>
@@ -13331,7 +13471,7 @@
           <p:cNvPr id="16" name="Slide Number Placeholder 15">
             <a:extLst>
               <a:ext uri="{FF2B5EF4-FFF2-40B4-BE49-F238E27FC236}">
-                <a16:creationId xmlns:a16="http://schemas.microsoft.com/office/drawing/2014/main" id="{46EEA4F1-5FA3-4EBF-97F1-DF392077DB76}"/>
+                <a16:creationId xmlns:a16="http://schemas.microsoft.com/office/drawing/2014/main" xmlns="" id="{46EEA4F1-5FA3-4EBF-97F1-DF392077DB76}"/>
               </a:ext>
             </a:extLst>
           </p:cNvPr>
@@ -13424,7 +13564,7 @@
           <p:cNvPr id="2" name="Date Placeholder 3">
             <a:extLst>
               <a:ext uri="{FF2B5EF4-FFF2-40B4-BE49-F238E27FC236}">
-                <a16:creationId xmlns:a16="http://schemas.microsoft.com/office/drawing/2014/main" id="{2B5E3896-21A0-2013-FB68-047053006B0C}"/>
+                <a16:creationId xmlns:a16="http://schemas.microsoft.com/office/drawing/2014/main" xmlns="" id="{2B5E3896-21A0-2013-FB68-047053006B0C}"/>
               </a:ext>
             </a:extLst>
           </p:cNvPr>
@@ -13489,7 +13629,7 @@
           <p:cNvPr id="3" name="Footer Placeholder 4">
             <a:extLst>
               <a:ext uri="{FF2B5EF4-FFF2-40B4-BE49-F238E27FC236}">
-                <a16:creationId xmlns:a16="http://schemas.microsoft.com/office/drawing/2014/main" id="{AEEE5882-3D2B-A830-9559-6D0E2F004435}"/>
+                <a16:creationId xmlns:a16="http://schemas.microsoft.com/office/drawing/2014/main" xmlns="" id="{AEEE5882-3D2B-A830-9559-6D0E2F004435}"/>
               </a:ext>
             </a:extLst>
           </p:cNvPr>
@@ -13584,7 +13724,7 @@
           <p:cNvPr id="2" name="Title 1">
             <a:extLst>
               <a:ext uri="{FF2B5EF4-FFF2-40B4-BE49-F238E27FC236}">
-                <a16:creationId xmlns:a16="http://schemas.microsoft.com/office/drawing/2014/main" id="{1EFC037F-9B04-45A9-8AE6-A8517884947F}"/>
+                <a16:creationId xmlns:a16="http://schemas.microsoft.com/office/drawing/2014/main" xmlns="" id="{1EFC037F-9B04-45A9-8AE6-A8517884947F}"/>
               </a:ext>
             </a:extLst>
           </p:cNvPr>
@@ -13617,7 +13757,7 @@
           <p:cNvPr id="3" name="Text Placeholder 2">
             <a:extLst>
               <a:ext uri="{FF2B5EF4-FFF2-40B4-BE49-F238E27FC236}">
-                <a16:creationId xmlns:a16="http://schemas.microsoft.com/office/drawing/2014/main" id="{9F49FB76-25BA-4481-B88D-DCB748E1662E}"/>
+                <a16:creationId xmlns:a16="http://schemas.microsoft.com/office/drawing/2014/main" xmlns="" id="{9F49FB76-25BA-4481-B88D-DCB748E1662E}"/>
               </a:ext>
             </a:extLst>
           </p:cNvPr>
@@ -13682,7 +13822,7 @@
           <p:cNvPr id="2" name="Title 1">
             <a:extLst>
               <a:ext uri="{FF2B5EF4-FFF2-40B4-BE49-F238E27FC236}">
-                <a16:creationId xmlns:a16="http://schemas.microsoft.com/office/drawing/2014/main" id="{F7CEB8CC-E887-4C39-A032-E3471EDC043E}"/>
+                <a16:creationId xmlns:a16="http://schemas.microsoft.com/office/drawing/2014/main" xmlns="" id="{F7CEB8CC-E887-4C39-A032-E3471EDC043E}"/>
               </a:ext>
             </a:extLst>
           </p:cNvPr>
@@ -13710,7 +13850,7 @@
           <p:cNvPr id="4" name="Content Placeholder 3">
             <a:extLst>
               <a:ext uri="{FF2B5EF4-FFF2-40B4-BE49-F238E27FC236}">
-                <a16:creationId xmlns:a16="http://schemas.microsoft.com/office/drawing/2014/main" id="{245DDB48-166A-4E16-B9DF-C5C6570A1BAD}"/>
+                <a16:creationId xmlns:a16="http://schemas.microsoft.com/office/drawing/2014/main" xmlns="" id="{245DDB48-166A-4E16-B9DF-C5C6570A1BAD}"/>
               </a:ext>
             </a:extLst>
           </p:cNvPr>
@@ -13752,7 +13892,7 @@
           <p:cNvPr id="6" name="Content Placeholder 5">
             <a:extLst>
               <a:ext uri="{FF2B5EF4-FFF2-40B4-BE49-F238E27FC236}">
-                <a16:creationId xmlns:a16="http://schemas.microsoft.com/office/drawing/2014/main" id="{53C09F06-9236-4635-AFB4-5E7D384A6BAE}"/>
+                <a16:creationId xmlns:a16="http://schemas.microsoft.com/office/drawing/2014/main" xmlns="" id="{53C09F06-9236-4635-AFB4-5E7D384A6BAE}"/>
               </a:ext>
             </a:extLst>
           </p:cNvPr>
@@ -13788,7 +13928,7 @@
           <p:cNvPr id="8" name="Content Placeholder 7">
             <a:extLst>
               <a:ext uri="{FF2B5EF4-FFF2-40B4-BE49-F238E27FC236}">
-                <a16:creationId xmlns:a16="http://schemas.microsoft.com/office/drawing/2014/main" id="{EE1302F8-9FA6-4CC4-AD07-E8137FCC99A5}"/>
+                <a16:creationId xmlns:a16="http://schemas.microsoft.com/office/drawing/2014/main" xmlns="" id="{EE1302F8-9FA6-4CC4-AD07-E8137FCC99A5}"/>
               </a:ext>
             </a:extLst>
           </p:cNvPr>
@@ -13824,7 +13964,7 @@
           <p:cNvPr id="11" name="Slide Number Placeholder 10">
             <a:extLst>
               <a:ext uri="{FF2B5EF4-FFF2-40B4-BE49-F238E27FC236}">
-                <a16:creationId xmlns:a16="http://schemas.microsoft.com/office/drawing/2014/main" id="{68ED6379-8C31-4483-A809-D0E84782F0CA}"/>
+                <a16:creationId xmlns:a16="http://schemas.microsoft.com/office/drawing/2014/main" xmlns="" id="{68ED6379-8C31-4483-A809-D0E84782F0CA}"/>
               </a:ext>
             </a:extLst>
           </p:cNvPr>
@@ -13917,7 +14057,7 @@
           <p:cNvPr id="12" name="Date Placeholder 3">
             <a:extLst>
               <a:ext uri="{FF2B5EF4-FFF2-40B4-BE49-F238E27FC236}">
-                <a16:creationId xmlns:a16="http://schemas.microsoft.com/office/drawing/2014/main" id="{E5B3122C-B50B-6C11-A26F-B889EAEF67FC}"/>
+                <a16:creationId xmlns:a16="http://schemas.microsoft.com/office/drawing/2014/main" xmlns="" id="{E5B3122C-B50B-6C11-A26F-B889EAEF67FC}"/>
               </a:ext>
             </a:extLst>
           </p:cNvPr>
@@ -13982,7 +14122,7 @@
           <p:cNvPr id="13" name="Footer Placeholder 4">
             <a:extLst>
               <a:ext uri="{FF2B5EF4-FFF2-40B4-BE49-F238E27FC236}">
-                <a16:creationId xmlns:a16="http://schemas.microsoft.com/office/drawing/2014/main" id="{81EAB378-2867-473E-188C-CB57844688E4}"/>
+                <a16:creationId xmlns:a16="http://schemas.microsoft.com/office/drawing/2014/main" xmlns="" id="{81EAB378-2867-473E-188C-CB57844688E4}"/>
               </a:ext>
             </a:extLst>
           </p:cNvPr>
@@ -14256,90 +14396,10 @@
       </p:grpSpPr>
       <p:sp>
         <p:nvSpPr>
-          <p:cNvPr id="4" name="Title 3">
-            <a:extLst>
-              <a:ext uri="{FF2B5EF4-FFF2-40B4-BE49-F238E27FC236}">
-                <a16:creationId xmlns:a16="http://schemas.microsoft.com/office/drawing/2014/main" id="{E45C6405-9D6C-48F5-9EFB-4CF1F3193EA4}"/>
-              </a:ext>
-            </a:extLst>
-          </p:cNvPr>
-          <p:cNvSpPr>
-            <a:spLocks noGrp="1"/>
-          </p:cNvSpPr>
-          <p:nvPr>
-            <p:ph type="title"/>
-          </p:nvPr>
-        </p:nvSpPr>
-        <p:spPr/>
-        <p:txBody>
-          <a:bodyPr/>
-          <a:lstStyle/>
-          <a:p>
-            <a:r>
-              <a:rPr lang="en-US" dirty="0"/>
-              <a:t>Claim</a:t>
-            </a:r>
-          </a:p>
-        </p:txBody>
-      </p:sp>
-      <p:sp>
-        <p:nvSpPr>
-          <p:cNvPr id="5" name="Content Placeholder 4">
-            <a:extLst>
-              <a:ext uri="{FF2B5EF4-FFF2-40B4-BE49-F238E27FC236}">
-                <a16:creationId xmlns:a16="http://schemas.microsoft.com/office/drawing/2014/main" id="{42E3A3A9-5E96-4CDD-A971-9C272EFD97D9}"/>
-              </a:ext>
-            </a:extLst>
-          </p:cNvPr>
-          <p:cNvSpPr>
-            <a:spLocks noGrp="1"/>
-          </p:cNvSpPr>
-          <p:nvPr>
-            <p:ph idx="1"/>
-          </p:nvPr>
-        </p:nvSpPr>
-        <p:spPr/>
-        <p:txBody>
-          <a:bodyPr/>
-          <a:lstStyle/>
-          <a:p>
-            <a:endParaRPr lang="en-GB" sz="2400" dirty="0"/>
-          </a:p>
-          <a:p>
-            <a:r>
-              <a:rPr lang="en-GB" sz="2400" dirty="0"/>
-              <a:t>The paper claims the TCP-</a:t>
-            </a:r>
-            <a:r>
-              <a:rPr lang="en-GB" sz="2400" dirty="0" err="1"/>
-              <a:t>AReno</a:t>
-            </a:r>
-            <a:r>
-              <a:rPr lang="en-GB" sz="2400" dirty="0"/>
-              <a:t> modifications results in:</a:t>
-            </a:r>
-          </a:p>
-          <a:p>
-            <a:r>
-              <a:rPr lang="en-GB" sz="2400" dirty="0"/>
-              <a:t>• Higher throughput than TCP-Reno.</a:t>
-            </a:r>
-          </a:p>
-          <a:p>
-            <a:r>
-              <a:rPr lang="en-GB" sz="2400" dirty="0"/>
-              <a:t>• Friendlier to TCP-Reno over a wide range of link capacities and random packet loss rates.</a:t>
-            </a:r>
-            <a:endParaRPr lang="en-US" dirty="0"/>
-          </a:p>
-        </p:txBody>
-      </p:sp>
-      <p:sp>
-        <p:nvSpPr>
-          <p:cNvPr id="14" name="Slide Number Placeholder 13">
-            <a:extLst>
-              <a:ext uri="{FF2B5EF4-FFF2-40B4-BE49-F238E27FC236}">
-                <a16:creationId xmlns:a16="http://schemas.microsoft.com/office/drawing/2014/main" id="{DC4D09A1-D96F-4BFC-8475-2F079EAD8652}"/>
+          <p:cNvPr id="8" name="Slide Number Placeholder 7">
+            <a:extLst>
+              <a:ext uri="{FF2B5EF4-FFF2-40B4-BE49-F238E27FC236}">
+                <a16:creationId xmlns:a16="http://schemas.microsoft.com/office/drawing/2014/main" xmlns="" id="{A8C87077-3DA0-43A0-9187-E1AACEF316C0}"/>
               </a:ext>
             </a:extLst>
           </p:cNvPr>
@@ -14429,10 +14489,10 @@
       </p:sp>
       <p:sp>
         <p:nvSpPr>
-          <p:cNvPr id="2" name="Date Placeholder 3">
-            <a:extLst>
-              <a:ext uri="{FF2B5EF4-FFF2-40B4-BE49-F238E27FC236}">
-                <a16:creationId xmlns:a16="http://schemas.microsoft.com/office/drawing/2014/main" id="{C7ADE459-C268-BFF6-D351-26615CB077A7}"/>
+          <p:cNvPr id="13" name="Date Placeholder 3">
+            <a:extLst>
+              <a:ext uri="{FF2B5EF4-FFF2-40B4-BE49-F238E27FC236}">
+                <a16:creationId xmlns:a16="http://schemas.microsoft.com/office/drawing/2014/main" xmlns="" id="{F2BBE7A8-546B-D608-C66D-E1B2A6B9DFC7}"/>
               </a:ext>
             </a:extLst>
           </p:cNvPr>
@@ -14494,10 +14554,10 @@
       </p:sp>
       <p:sp>
         <p:nvSpPr>
-          <p:cNvPr id="3" name="Footer Placeholder 4">
-            <a:extLst>
-              <a:ext uri="{FF2B5EF4-FFF2-40B4-BE49-F238E27FC236}">
-                <a16:creationId xmlns:a16="http://schemas.microsoft.com/office/drawing/2014/main" id="{D1DE91E2-BCA1-EC2D-9B65-127ABA546616}"/>
+          <p:cNvPr id="14" name="Footer Placeholder 4">
+            <a:extLst>
+              <a:ext uri="{FF2B5EF4-FFF2-40B4-BE49-F238E27FC236}">
+                <a16:creationId xmlns:a16="http://schemas.microsoft.com/office/drawing/2014/main" xmlns="" id="{9BA64C4A-E6B0-2C8F-0735-3C6673953557}"/>
               </a:ext>
             </a:extLst>
           </p:cNvPr>
@@ -14557,10 +14617,202 @@
           </a:p>
         </p:txBody>
       </p:sp>
+      <p:pic>
+        <p:nvPicPr>
+          <p:cNvPr id="1026" name="Picture 2"/>
+          <p:cNvPicPr>
+            <a:picLocks noChangeAspect="1" noChangeArrowheads="1"/>
+          </p:cNvPicPr>
+          <p:nvPr/>
+        </p:nvPicPr>
+        <p:blipFill>
+          <a:blip r:embed="rId2">
+            <a:extLst>
+              <a:ext uri="{28A0092B-C50C-407E-A947-70E740481C1C}">
+                <a14:useLocalDpi xmlns:a14="http://schemas.microsoft.com/office/drawing/2010/main" val="0"/>
+              </a:ext>
+            </a:extLst>
+          </a:blip>
+          <a:srcRect/>
+          <a:stretch>
+            <a:fillRect/>
+          </a:stretch>
+        </p:blipFill>
+        <p:spPr bwMode="auto">
+          <a:xfrm>
+            <a:off x="677375" y="1238617"/>
+            <a:ext cx="4779813" cy="2133234"/>
+          </a:xfrm>
+          <a:prstGeom prst="rect">
+            <a:avLst/>
+          </a:prstGeom>
+          <a:noFill/>
+          <a:ln>
+            <a:noFill/>
+          </a:ln>
+          <a:effectLst/>
+          <a:extLst>
+            <a:ext uri="{909E8E84-426E-40DD-AFC4-6F175D3DCCD1}">
+              <a14:hiddenFill xmlns:a14="http://schemas.microsoft.com/office/drawing/2010/main">
+                <a:solidFill>
+                  <a:schemeClr val="accent1"/>
+                </a:solidFill>
+              </a14:hiddenFill>
+            </a:ext>
+            <a:ext uri="{91240B29-F687-4F45-9708-019B960494DF}">
+              <a14:hiddenLine xmlns:a14="http://schemas.microsoft.com/office/drawing/2010/main" w="9525">
+                <a:solidFill>
+                  <a:schemeClr val="tx1"/>
+                </a:solidFill>
+                <a:miter lim="800000"/>
+                <a:headEnd/>
+                <a:tailEnd/>
+              </a14:hiddenLine>
+            </a:ext>
+            <a:ext uri="{AF507438-7753-43E0-B8FC-AC1667EBCBE1}">
+              <a14:hiddenEffects xmlns:a14="http://schemas.microsoft.com/office/drawing/2010/main">
+                <a:effectLst>
+                  <a:outerShdw dist="35921" dir="2700000" algn="ctr" rotWithShape="0">
+                    <a:schemeClr val="bg2"/>
+                  </a:outerShdw>
+                </a:effectLst>
+              </a14:hiddenEffects>
+            </a:ext>
+          </a:extLst>
+        </p:spPr>
+      </p:pic>
+      <p:pic>
+        <p:nvPicPr>
+          <p:cNvPr id="1027" name="Picture 3"/>
+          <p:cNvPicPr>
+            <a:picLocks noChangeAspect="1" noChangeArrowheads="1"/>
+          </p:cNvPicPr>
+          <p:nvPr/>
+        </p:nvPicPr>
+        <p:blipFill>
+          <a:blip r:embed="rId3">
+            <a:extLst>
+              <a:ext uri="{28A0092B-C50C-407E-A947-70E740481C1C}">
+                <a14:useLocalDpi xmlns:a14="http://schemas.microsoft.com/office/drawing/2010/main" val="0"/>
+              </a:ext>
+            </a:extLst>
+          </a:blip>
+          <a:srcRect/>
+          <a:stretch>
+            <a:fillRect/>
+          </a:stretch>
+        </p:blipFill>
+        <p:spPr bwMode="auto">
+          <a:xfrm>
+            <a:off x="6213597" y="1105268"/>
+            <a:ext cx="5090522" cy="2266583"/>
+          </a:xfrm>
+          <a:prstGeom prst="rect">
+            <a:avLst/>
+          </a:prstGeom>
+          <a:noFill/>
+          <a:ln>
+            <a:noFill/>
+          </a:ln>
+          <a:effectLst/>
+          <a:extLst>
+            <a:ext uri="{909E8E84-426E-40DD-AFC4-6F175D3DCCD1}">
+              <a14:hiddenFill xmlns:a14="http://schemas.microsoft.com/office/drawing/2010/main">
+                <a:solidFill>
+                  <a:schemeClr val="accent1"/>
+                </a:solidFill>
+              </a14:hiddenFill>
+            </a:ext>
+            <a:ext uri="{91240B29-F687-4F45-9708-019B960494DF}">
+              <a14:hiddenLine xmlns:a14="http://schemas.microsoft.com/office/drawing/2010/main" w="9525">
+                <a:solidFill>
+                  <a:schemeClr val="tx1"/>
+                </a:solidFill>
+                <a:miter lim="800000"/>
+                <a:headEnd/>
+                <a:tailEnd/>
+              </a14:hiddenLine>
+            </a:ext>
+            <a:ext uri="{AF507438-7753-43E0-B8FC-AC1667EBCBE1}">
+              <a14:hiddenEffects xmlns:a14="http://schemas.microsoft.com/office/drawing/2010/main">
+                <a:effectLst>
+                  <a:outerShdw dist="35921" dir="2700000" algn="ctr" rotWithShape="0">
+                    <a:schemeClr val="bg2"/>
+                  </a:outerShdw>
+                </a:effectLst>
+              </a14:hiddenEffects>
+            </a:ext>
+          </a:extLst>
+        </p:spPr>
+      </p:pic>
+      <p:pic>
+        <p:nvPicPr>
+          <p:cNvPr id="1028" name="Picture 4"/>
+          <p:cNvPicPr>
+            <a:picLocks noChangeAspect="1" noChangeArrowheads="1"/>
+          </p:cNvPicPr>
+          <p:nvPr/>
+        </p:nvPicPr>
+        <p:blipFill>
+          <a:blip r:embed="rId4">
+            <a:extLst>
+              <a:ext uri="{28A0092B-C50C-407E-A947-70E740481C1C}">
+                <a14:useLocalDpi xmlns:a14="http://schemas.microsoft.com/office/drawing/2010/main" val="0"/>
+              </a:ext>
+            </a:extLst>
+          </a:blip>
+          <a:srcRect/>
+          <a:stretch>
+            <a:fillRect/>
+          </a:stretch>
+        </p:blipFill>
+        <p:spPr bwMode="auto">
+          <a:xfrm>
+            <a:off x="3605212" y="3903784"/>
+            <a:ext cx="4757945" cy="2250831"/>
+          </a:xfrm>
+          <a:prstGeom prst="rect">
+            <a:avLst/>
+          </a:prstGeom>
+          <a:noFill/>
+          <a:ln>
+            <a:noFill/>
+          </a:ln>
+          <a:effectLst/>
+          <a:extLst>
+            <a:ext uri="{909E8E84-426E-40DD-AFC4-6F175D3DCCD1}">
+              <a14:hiddenFill xmlns:a14="http://schemas.microsoft.com/office/drawing/2010/main">
+                <a:solidFill>
+                  <a:schemeClr val="accent1"/>
+                </a:solidFill>
+              </a14:hiddenFill>
+            </a:ext>
+            <a:ext uri="{91240B29-F687-4F45-9708-019B960494DF}">
+              <a14:hiddenLine xmlns:a14="http://schemas.microsoft.com/office/drawing/2010/main" w="9525">
+                <a:solidFill>
+                  <a:schemeClr val="tx1"/>
+                </a:solidFill>
+                <a:miter lim="800000"/>
+                <a:headEnd/>
+                <a:tailEnd/>
+              </a14:hiddenLine>
+            </a:ext>
+            <a:ext uri="{AF507438-7753-43E0-B8FC-AC1667EBCBE1}">
+              <a14:hiddenEffects xmlns:a14="http://schemas.microsoft.com/office/drawing/2010/main">
+                <a:effectLst>
+                  <a:outerShdw dist="35921" dir="2700000" algn="ctr" rotWithShape="0">
+                    <a:schemeClr val="bg2"/>
+                  </a:outerShdw>
+                </a:effectLst>
+              </a14:hiddenEffects>
+            </a:ext>
+          </a:extLst>
+        </p:spPr>
+      </p:pic>
     </p:spTree>
     <p:extLst>
       <p:ext uri="{BB962C8B-B14F-4D97-AF65-F5344CB8AC3E}">
-        <p14:creationId xmlns:p14="http://schemas.microsoft.com/office/powerpoint/2010/main" val="2748295126"/>
+        <p14:creationId xmlns:p14="http://schemas.microsoft.com/office/powerpoint/2010/main" val="399665525"/>
       </p:ext>
     </p:extLst>
   </p:cSld>
@@ -14589,10 +14841,10 @@
       </p:grpSpPr>
       <p:sp>
         <p:nvSpPr>
-          <p:cNvPr id="2" name="Title 1">
-            <a:extLst>
-              <a:ext uri="{FF2B5EF4-FFF2-40B4-BE49-F238E27FC236}">
-                <a16:creationId xmlns:a16="http://schemas.microsoft.com/office/drawing/2014/main" id="{659706C9-F26D-46CA-93BF-8C27012F6B12}"/>
+          <p:cNvPr id="4" name="Title 3">
+            <a:extLst>
+              <a:ext uri="{FF2B5EF4-FFF2-40B4-BE49-F238E27FC236}">
+                <a16:creationId xmlns:a16="http://schemas.microsoft.com/office/drawing/2014/main" xmlns="" id="{E45C6405-9D6C-48F5-9EFB-4CF1F3193EA4}"/>
               </a:ext>
             </a:extLst>
           </p:cNvPr>
@@ -14610,17 +14862,69 @@
           <a:p>
             <a:r>
               <a:rPr lang="en-US" dirty="0"/>
-              <a:t>Thank you</a:t>
-            </a:r>
-          </a:p>
-        </p:txBody>
-      </p:sp>
-      <p:sp>
-        <p:nvSpPr>
-          <p:cNvPr id="6" name="Slide Number Placeholder 5">
-            <a:extLst>
-              <a:ext uri="{FF2B5EF4-FFF2-40B4-BE49-F238E27FC236}">
-                <a16:creationId xmlns:a16="http://schemas.microsoft.com/office/drawing/2014/main" id="{7359025F-68D1-4F50-8480-3F981455D4DE}"/>
+              <a:t>Claim</a:t>
+            </a:r>
+          </a:p>
+        </p:txBody>
+      </p:sp>
+      <p:sp>
+        <p:nvSpPr>
+          <p:cNvPr id="5" name="Content Placeholder 4">
+            <a:extLst>
+              <a:ext uri="{FF2B5EF4-FFF2-40B4-BE49-F238E27FC236}">
+                <a16:creationId xmlns:a16="http://schemas.microsoft.com/office/drawing/2014/main" xmlns="" id="{42E3A3A9-5E96-4CDD-A971-9C272EFD97D9}"/>
+              </a:ext>
+            </a:extLst>
+          </p:cNvPr>
+          <p:cNvSpPr>
+            <a:spLocks noGrp="1"/>
+          </p:cNvSpPr>
+          <p:nvPr>
+            <p:ph idx="1"/>
+          </p:nvPr>
+        </p:nvSpPr>
+        <p:spPr/>
+        <p:txBody>
+          <a:bodyPr/>
+          <a:lstStyle/>
+          <a:p>
+            <a:endParaRPr lang="en-GB" sz="2400" dirty="0"/>
+          </a:p>
+          <a:p>
+            <a:r>
+              <a:rPr lang="en-GB" sz="2400" dirty="0"/>
+              <a:t>The paper claims the TCP-</a:t>
+            </a:r>
+            <a:r>
+              <a:rPr lang="en-GB" sz="2400" dirty="0" err="1"/>
+              <a:t>AReno</a:t>
+            </a:r>
+            <a:r>
+              <a:rPr lang="en-GB" sz="2400" dirty="0"/>
+              <a:t> modifications results in:</a:t>
+            </a:r>
+          </a:p>
+          <a:p>
+            <a:r>
+              <a:rPr lang="en-GB" sz="2400" dirty="0"/>
+              <a:t>• Higher throughput than TCP-Reno.</a:t>
+            </a:r>
+          </a:p>
+          <a:p>
+            <a:r>
+              <a:rPr lang="en-GB" sz="2400" dirty="0"/>
+              <a:t>• Friendlier to TCP-Reno over a wide range of link capacities and random packet loss rates.</a:t>
+            </a:r>
+            <a:endParaRPr lang="en-US" dirty="0"/>
+          </a:p>
+        </p:txBody>
+      </p:sp>
+      <p:sp>
+        <p:nvSpPr>
+          <p:cNvPr id="14" name="Slide Number Placeholder 13">
+            <a:extLst>
+              <a:ext uri="{FF2B5EF4-FFF2-40B4-BE49-F238E27FC236}">
+                <a16:creationId xmlns:a16="http://schemas.microsoft.com/office/drawing/2014/main" xmlns="" id="{DC4D09A1-D96F-4BFC-8475-2F079EAD8652}"/>
               </a:ext>
             </a:extLst>
           </p:cNvPr>
@@ -14636,22 +14940,84 @@
           <a:bodyPr/>
           <a:lstStyle/>
           <a:p>
-            <a:pPr lvl="0"/>
+            <a:pPr marL="0" marR="0" lvl="0" indent="0" algn="r" defTabSz="914400" rtl="0" eaLnBrk="1" fontAlgn="auto" latinLnBrk="0" hangingPunct="1">
+              <a:lnSpc>
+                <a:spcPct val="100000"/>
+              </a:lnSpc>
+              <a:spcBef>
+                <a:spcPts val="0"/>
+              </a:spcBef>
+              <a:spcAft>
+                <a:spcPts val="0"/>
+              </a:spcAft>
+              <a:buClrTx/>
+              <a:buSzTx/>
+              <a:buFontTx/>
+              <a:buNone/>
+              <a:tabLst/>
+              <a:defRPr/>
+            </a:pPr>
             <a:fld id="{D76B855D-E9CC-4FF8-AD85-6CDC7B89A0DE}" type="slidenum">
-              <a:rPr lang="en-US" noProof="0" smtClean="0"/>
-              <a:pPr lvl="0"/>
+              <a:rPr kumimoji="0" lang="en-US" sz="1200" b="0" i="0" u="none" strike="noStrike" kern="1200" cap="none" spc="0" normalizeH="0" baseline="0" noProof="0" smtClean="0">
+                <a:ln>
+                  <a:noFill/>
+                </a:ln>
+                <a:solidFill>
+                  <a:prstClr val="black">
+                    <a:tint val="75000"/>
+                  </a:prstClr>
+                </a:solidFill>
+                <a:effectLst/>
+                <a:uLnTx/>
+                <a:uFillTx/>
+                <a:latin typeface="Calibri" panose="020F0502020204030204"/>
+                <a:ea typeface="+mn-ea"/>
+                <a:cs typeface="+mn-cs"/>
+              </a:rPr>
+              <a:pPr marL="0" marR="0" lvl="0" indent="0" algn="r" defTabSz="914400" rtl="0" eaLnBrk="1" fontAlgn="auto" latinLnBrk="0" hangingPunct="1">
+                <a:lnSpc>
+                  <a:spcPct val="100000"/>
+                </a:lnSpc>
+                <a:spcBef>
+                  <a:spcPts val="0"/>
+                </a:spcBef>
+                <a:spcAft>
+                  <a:spcPts val="0"/>
+                </a:spcAft>
+                <a:buClrTx/>
+                <a:buSzTx/>
+                <a:buFontTx/>
+                <a:buNone/>
+                <a:tabLst/>
+                <a:defRPr/>
+              </a:pPr>
               <a:t>9</a:t>
             </a:fld>
-            <a:endParaRPr lang="en-US" noProof="0" dirty="0"/>
-          </a:p>
-        </p:txBody>
-      </p:sp>
-      <p:sp>
-        <p:nvSpPr>
-          <p:cNvPr id="3" name="Content Placeholder 2">
-            <a:extLst>
-              <a:ext uri="{FF2B5EF4-FFF2-40B4-BE49-F238E27FC236}">
-                <a16:creationId xmlns:a16="http://schemas.microsoft.com/office/drawing/2014/main" id="{21F0B6E0-1F7C-4E6A-87B1-554ADE739CD1}"/>
+            <a:endParaRPr kumimoji="0" lang="en-US" sz="1200" b="0" i="0" u="none" strike="noStrike" kern="1200" cap="none" spc="0" normalizeH="0" baseline="0" noProof="0" dirty="0">
+              <a:ln>
+                <a:noFill/>
+              </a:ln>
+              <a:solidFill>
+                <a:prstClr val="black">
+                  <a:tint val="75000"/>
+                </a:prstClr>
+              </a:solidFill>
+              <a:effectLst/>
+              <a:uLnTx/>
+              <a:uFillTx/>
+              <a:latin typeface="Calibri" panose="020F0502020204030204"/>
+              <a:ea typeface="+mn-ea"/>
+              <a:cs typeface="+mn-cs"/>
+            </a:endParaRPr>
+          </a:p>
+        </p:txBody>
+      </p:sp>
+      <p:sp>
+        <p:nvSpPr>
+          <p:cNvPr id="2" name="Date Placeholder 3">
+            <a:extLst>
+              <a:ext uri="{FF2B5EF4-FFF2-40B4-BE49-F238E27FC236}">
+                <a16:creationId xmlns:a16="http://schemas.microsoft.com/office/drawing/2014/main" xmlns="" id="{C7ADE459-C268-BFF6-D351-26615CB077A7}"/>
               </a:ext>
             </a:extLst>
           </p:cNvPr>
@@ -14659,39 +15025,127 @@
             <a:spLocks noGrp="1"/>
           </p:cNvSpPr>
           <p:nvPr>
-            <p:ph idx="1"/>
+            <p:ph type="dt" sz="half" idx="10"/>
           </p:nvPr>
         </p:nvSpPr>
-        <p:spPr/>
+        <p:spPr>
+          <a:xfrm>
+            <a:off x="838200" y="6356350"/>
+            <a:ext cx="2743200" cy="365125"/>
+          </a:xfrm>
+        </p:spPr>
         <p:txBody>
           <a:bodyPr/>
           <a:lstStyle/>
           <a:p>
-            <a:r>
-              <a:rPr lang="en-US" dirty="0"/>
-              <a:t>Md. Nazmul Islam Ananto</a:t>
-            </a:r>
-          </a:p>
-          <a:p>
-            <a:pPr>
+            <a:pPr marL="0" marR="0" lvl="0" indent="0" algn="l" defTabSz="914400" rtl="0" eaLnBrk="1" fontAlgn="auto" latinLnBrk="0" hangingPunct="1">
+              <a:lnSpc>
+                <a:spcPct val="100000"/>
+              </a:lnSpc>
               <a:spcBef>
-                <a:spcPts val="3000"/>
+                <a:spcPts val="0"/>
               </a:spcBef>
+              <a:spcAft>
+                <a:spcPts val="0"/>
+              </a:spcAft>
+              <a:buClrTx/>
+              <a:buSzTx/>
+              <a:buFontTx/>
+              <a:buNone/>
+              <a:tabLst/>
+              <a:defRPr/>
             </a:pPr>
             <a:r>
-              <a:rPr lang="en-US" sz="1800" dirty="0"/>
-              <a:t>1805093</a:t>
-            </a:r>
-          </a:p>
-          <a:p>
-            <a:endParaRPr lang="en-US" dirty="0"/>
+              <a:rPr kumimoji="0" lang="en-US" sz="1200" b="0" i="0" u="none" strike="noStrike" kern="1200" cap="none" spc="0" normalizeH="0" baseline="0" noProof="0" dirty="0">
+                <a:ln>
+                  <a:noFill/>
+                </a:ln>
+                <a:solidFill>
+                  <a:prstClr val="black">
+                    <a:tint val="75000"/>
+                  </a:prstClr>
+                </a:solidFill>
+                <a:effectLst/>
+                <a:uLnTx/>
+                <a:uFillTx/>
+                <a:latin typeface="Calibri" panose="020F0502020204030204"/>
+                <a:ea typeface="+mn-ea"/>
+                <a:cs typeface="+mn-cs"/>
+              </a:rPr>
+              <a:t>24/01/2023</a:t>
+            </a:r>
+          </a:p>
+        </p:txBody>
+      </p:sp>
+      <p:sp>
+        <p:nvSpPr>
+          <p:cNvPr id="3" name="Footer Placeholder 4">
+            <a:extLst>
+              <a:ext uri="{FF2B5EF4-FFF2-40B4-BE49-F238E27FC236}">
+                <a16:creationId xmlns:a16="http://schemas.microsoft.com/office/drawing/2014/main" xmlns="" id="{D1DE91E2-BCA1-EC2D-9B65-127ABA546616}"/>
+              </a:ext>
+            </a:extLst>
+          </p:cNvPr>
+          <p:cNvSpPr>
+            <a:spLocks noGrp="1"/>
+          </p:cNvSpPr>
+          <p:nvPr>
+            <p:ph type="ftr" sz="quarter" idx="11"/>
+          </p:nvPr>
+        </p:nvSpPr>
+        <p:spPr>
+          <a:xfrm>
+            <a:off x="4038600" y="6356350"/>
+            <a:ext cx="4114800" cy="365125"/>
+          </a:xfrm>
+        </p:spPr>
+        <p:txBody>
+          <a:bodyPr/>
+          <a:lstStyle/>
+          <a:p>
+            <a:pPr marL="0" marR="0" lvl="0" indent="0" algn="ctr" defTabSz="914400" rtl="0" eaLnBrk="1" fontAlgn="auto" latinLnBrk="0" hangingPunct="1">
+              <a:lnSpc>
+                <a:spcPct val="100000"/>
+              </a:lnSpc>
+              <a:spcBef>
+                <a:spcPts val="0"/>
+              </a:spcBef>
+              <a:spcAft>
+                <a:spcPts val="0"/>
+              </a:spcAft>
+              <a:buClrTx/>
+              <a:buSzTx/>
+              <a:buFontTx/>
+              <a:buNone/>
+              <a:tabLst/>
+              <a:defRPr/>
+            </a:pPr>
+            <a:r>
+              <a:rPr kumimoji="0" lang="en-US" sz="1200" b="0" i="0" u="none" strike="noStrike" kern="1200" cap="none" spc="0" normalizeH="0" baseline="0" noProof="0" dirty="0">
+                <a:ln>
+                  <a:noFill/>
+                </a:ln>
+                <a:solidFill>
+                  <a:prstClr val="black">
+                    <a:tint val="75000"/>
+                  </a:prstClr>
+                </a:solidFill>
+                <a:effectLst/>
+                <a:uLnTx/>
+                <a:uFillTx/>
+                <a:latin typeface="Calibri" panose="020F0502020204030204"/>
+                <a:ea typeface="+mn-ea"/>
+                <a:cs typeface="+mn-cs"/>
+              </a:rPr>
+              <a:t>TCP Adaptive Reno</a:t>
+            </a:r>
           </a:p>
         </p:txBody>
       </p:sp>
     </p:spTree>
     <p:extLst>
       <p:ext uri="{BB962C8B-B14F-4D97-AF65-F5344CB8AC3E}">
-        <p14:creationId xmlns:p14="http://schemas.microsoft.com/office/powerpoint/2010/main" val="962258905"/>
+        <p14:creationId xmlns:p14="http://schemas.microsoft.com/office/powerpoint/2010/main" val="2748295126"/>
       </p:ext>
     </p:extLst>
   </p:cSld>
@@ -14896,7 +15350,7 @@
   <a:extraClrSchemeLst/>
   <a:extLst>
     <a:ext uri="{05A4C25C-085E-4340-85A3-A5531E510DB2}">
-      <thm15:themeFamily xmlns:thm15="http://schemas.microsoft.com/office/thememl/2012/main" name="ShapesVTI" id="{C78D20FD-A872-4243-8597-B534C62538FF}" vid="{7CAFCCF9-7834-41D6-B6AB-7D225A18A4E9}"/>
+      <thm15:themeFamily xmlns:thm15="http://schemas.microsoft.com/office/thememl/2012/main" xmlns="" name="ShapesVTI" id="{C78D20FD-A872-4243-8597-B534C62538FF}" vid="{7CAFCCF9-7834-41D6-B6AB-7D225A18A4E9}"/>
     </a:ext>
   </a:extLst>
 </a:theme>
@@ -14945,7 +15399,7 @@
     </a:clrScheme>
     <a:fontScheme name="Office">
       <a:majorFont>
-        <a:latin typeface="Calibri Light" panose="020F0302020204030204"/>
+        <a:latin typeface="Calibri Light"/>
         <a:ea typeface=""/>
         <a:cs typeface=""/>
         <a:font script="Jpan" typeface="游ゴシック Light"/>
@@ -14997,7 +15451,7 @@
         <a:font script="Tfng" typeface="Ebrima"/>
       </a:majorFont>
       <a:minorFont>
-        <a:latin typeface="Calibri" panose="020F0502020204030204"/>
+        <a:latin typeface="Calibri"/>
         <a:ea typeface=""/>
         <a:cs typeface=""/>
         <a:font script="Jpan" typeface="游ゴシック"/>
@@ -15191,31 +15645,13 @@
   <a:extraClrSchemeLst/>
   <a:extLst>
     <a:ext uri="{05A4C25C-085E-4340-85A3-A5531E510DB2}">
-      <thm15:themeFamily xmlns:thm15="http://schemas.microsoft.com/office/thememl/2012/main" name="Office Theme" id="{62F939B6-93AF-4DB8-9C6B-D6C7DFDC589F}" vid="{4A3C46E8-61CC-4603-A589-7422A47A8E4A}"/>
+      <thm15:themeFamily xmlns:thm15="http://schemas.microsoft.com/office/thememl/2012/main" xmlns="" name="Office Theme" id="{62F939B6-93AF-4DB8-9C6B-D6C7DFDC589F}" vid="{4A3C46E8-61CC-4603-A589-7422A47A8E4A}"/>
     </a:ext>
   </a:extLst>
 </a:theme>
 </file>
 
 <file path=customXml/item1.xml><?xml version="1.0" encoding="utf-8"?>
-<p:properties xmlns:p="http://schemas.microsoft.com/office/2006/metadata/properties" xmlns:xsi="http://www.w3.org/2001/XMLSchema-instance" xmlns:pc="http://schemas.microsoft.com/office/infopath/2007/PartnerControls">
-  <documentManagement>
-    <Status xmlns="71af3243-3dd4-4a8d-8c0d-dd76da1f02a5">Not started</Status>
-    <MediaServiceKeyPoints xmlns="71af3243-3dd4-4a8d-8c0d-dd76da1f02a5" xsi:nil="true"/>
-  </documentManagement>
-</p:properties>
-</file>
-
-<file path=customXml/item2.xml><?xml version="1.0" encoding="utf-8"?>
-<?mso-contentType ?>
-<FormTemplates xmlns="http://schemas.microsoft.com/sharepoint/v3/contenttype/forms">
-  <Display>DocumentLibraryForm</Display>
-  <Edit>DocumentLibraryForm</Edit>
-  <New>DocumentLibraryForm</New>
-</FormTemplates>
-</file>
-
-<file path=customXml/item3.xml><?xml version="1.0" encoding="utf-8"?>
 <ct:contentTypeSchema xmlns:ct="http://schemas.microsoft.com/office/2006/metadata/contentType" xmlns:ma="http://schemas.microsoft.com/office/2006/metadata/properties/metaAttributes" ct:_="" ma:_="" ma:contentTypeName="Document" ma:contentTypeID="0x01010079F111ED35F8CC479449609E8A0923A6" ma:contentTypeVersion="12" ma:contentTypeDescription="Create a new document." ma:contentTypeScope="" ma:versionID="426e97fa315356fffbdcd9876fe988c2">
   <xsd:schema xmlns:xsd="http://www.w3.org/2001/XMLSchema" xmlns:xs="http://www.w3.org/2001/XMLSchema" xmlns:p="http://schemas.microsoft.com/office/2006/metadata/properties" xmlns:ns2="71af3243-3dd4-4a8d-8c0d-dd76da1f02a5" xmlns:ns3="16c05727-aa75-4e4a-9b5f-8a80a1165891" targetNamespace="http://schemas.microsoft.com/office/2006/metadata/properties" ma:root="true" ma:fieldsID="14b8f0def80e6d70ce3def20c90759ae" ns2:_="" ns3:_="">
     <xsd:import namespace="71af3243-3dd4-4a8d-8c0d-dd76da1f02a5"/>
@@ -15436,25 +15872,25 @@
 </ct:contentTypeSchema>
 </file>
 
-<file path=customXml/itemProps1.xml><?xml version="1.0" encoding="utf-8"?>
-<ds:datastoreItem xmlns:ds="http://schemas.openxmlformats.org/officeDocument/2006/customXml" ds:itemID="{FBDEF148-1770-458F-8F5B-C3D0A278AA97}">
-  <ds:schemaRefs>
-    <ds:schemaRef ds:uri="http://schemas.microsoft.com/office/2006/metadata/properties"/>
-    <ds:schemaRef ds:uri="http://schemas.microsoft.com/office/infopath/2007/PartnerControls"/>
-    <ds:schemaRef ds:uri="71af3243-3dd4-4a8d-8c0d-dd76da1f02a5"/>
-  </ds:schemaRefs>
-</ds:datastoreItem>
+<file path=customXml/item2.xml><?xml version="1.0" encoding="utf-8"?>
+<?mso-contentType ?>
+<FormTemplates xmlns="http://schemas.microsoft.com/sharepoint/v3/contenttype/forms">
+  <Display>DocumentLibraryForm</Display>
+  <Edit>DocumentLibraryForm</Edit>
+  <New>DocumentLibraryForm</New>
+</FormTemplates>
 </file>
 
-<file path=customXml/itemProps2.xml><?xml version="1.0" encoding="utf-8"?>
-<ds:datastoreItem xmlns:ds="http://schemas.openxmlformats.org/officeDocument/2006/customXml" ds:itemID="{1A449C04-64B3-4403-94B7-8D2284C38D1B}">
-  <ds:schemaRefs>
-    <ds:schemaRef ds:uri="http://schemas.microsoft.com/sharepoint/v3/contenttype/forms"/>
-  </ds:schemaRefs>
-</ds:datastoreItem>
+<file path=customXml/item3.xml><?xml version="1.0" encoding="utf-8"?>
+<p:properties xmlns:p="http://schemas.microsoft.com/office/2006/metadata/properties" xmlns:xsi="http://www.w3.org/2001/XMLSchema-instance" xmlns:pc="http://schemas.microsoft.com/office/infopath/2007/PartnerControls">
+  <documentManagement>
+    <Status xmlns="71af3243-3dd4-4a8d-8c0d-dd76da1f02a5">Not started</Status>
+    <MediaServiceKeyPoints xmlns="71af3243-3dd4-4a8d-8c0d-dd76da1f02a5" xsi:nil="true"/>
+  </documentManagement>
+</p:properties>
 </file>
 
-<file path=customXml/itemProps3.xml><?xml version="1.0" encoding="utf-8"?>
+<file path=customXml/itemProps1.xml><?xml version="1.0" encoding="utf-8"?>
 <ds:datastoreItem xmlns:ds="http://schemas.openxmlformats.org/officeDocument/2006/customXml" ds:itemID="{8413533D-8C39-401E-8B75-B1AEEEC56B93}">
   <ds:schemaRefs>
     <ds:schemaRef ds:uri="http://schemas.microsoft.com/office/2006/metadata/contentType"/>
@@ -15471,4 +15907,22 @@
     <ds:schemaRef ds:uri="http://schemas.microsoft.com/internal/obd"/>
   </ds:schemaRefs>
 </ds:datastoreItem>
+</file>
+
+<file path=customXml/itemProps2.xml><?xml version="1.0" encoding="utf-8"?>
+<ds:datastoreItem xmlns:ds="http://schemas.openxmlformats.org/officeDocument/2006/customXml" ds:itemID="{1A449C04-64B3-4403-94B7-8D2284C38D1B}">
+  <ds:schemaRefs>
+    <ds:schemaRef ds:uri="http://schemas.microsoft.com/sharepoint/v3/contenttype/forms"/>
+  </ds:schemaRefs>
+</ds:datastoreItem>
+</file>
+
+<file path=customXml/itemProps3.xml><?xml version="1.0" encoding="utf-8"?>
+<ds:datastoreItem xmlns:ds="http://schemas.openxmlformats.org/officeDocument/2006/customXml" ds:itemID="{FBDEF148-1770-458F-8F5B-C3D0A278AA97}">
+  <ds:schemaRefs>
+    <ds:schemaRef ds:uri="http://schemas.microsoft.com/office/2006/metadata/properties"/>
+    <ds:schemaRef ds:uri="http://schemas.microsoft.com/office/infopath/2007/PartnerControls"/>
+    <ds:schemaRef ds:uri="71af3243-3dd4-4a8d-8c0d-dd76da1f02a5"/>
+  </ds:schemaRefs>
+</ds:datastoreItem>
 </file>